--- a/soturon-02-20.pptx
+++ b/soturon-02-20.pptx
@@ -25679,71 +25679,6 @@
               <a:latin typeface="Meiryo" charset="-128"/>
               <a:ea typeface="Meiryo" charset="-128"/>
               <a:cs typeface="Meiryo" charset="-128"/>
-            </a:endParaRPr>
-          </a:p>
-        </p:txBody>
-      </p:sp>
-      <p:sp>
-        <p:nvSpPr>
-          <p:cNvPr id="6" name="正方形/長方形 5"/>
-          <p:cNvSpPr/>
-          <p:nvPr/>
-        </p:nvSpPr>
-        <p:spPr>
-          <a:xfrm>
-            <a:off x="692548" y="7114506"/>
-            <a:ext cx="8117928" cy="584775"/>
-          </a:xfrm>
-          <a:prstGeom prst="rect">
-            <a:avLst/>
-          </a:prstGeom>
-        </p:spPr>
-        <p:txBody>
-          <a:bodyPr wrap="none">
-            <a:spAutoFit/>
-          </a:bodyPr>
-          <a:lstStyle/>
-          <a:p>
-            <a:r>
-              <a:rPr lang="ja-JP" altLang="en-US" sz="3200" b="1" dirty="0">
-                <a:solidFill>
-                  <a:srgbClr val="FF0000"/>
-                </a:solidFill>
-                <a:latin typeface="メイリオ" panose="020B0604030504040204" pitchFamily="50" charset="-128"/>
-                <a:ea typeface="メイリオ" panose="020B0604030504040204" pitchFamily="50" charset="-128"/>
-                <a:cs typeface="メイリオ" panose="020B0604030504040204" pitchFamily="50" charset="-128"/>
-              </a:rPr>
-              <a:t>→ </a:t>
-            </a:r>
-            <a:r>
-              <a:rPr lang="ja-JP" altLang="en-US" sz="3200" b="1" dirty="0" smtClean="0">
-                <a:solidFill>
-                  <a:srgbClr val="FF0000"/>
-                </a:solidFill>
-                <a:latin typeface="メイリオ" panose="020B0604030504040204" pitchFamily="50" charset="-128"/>
-                <a:ea typeface="メイリオ" panose="020B0604030504040204" pitchFamily="50" charset="-128"/>
-                <a:cs typeface="メイリオ" panose="020B0604030504040204" pitchFamily="50" charset="-128"/>
-              </a:rPr>
-              <a:t>推定する値に</a:t>
-            </a:r>
-            <a:r>
-              <a:rPr lang="ja-JP" altLang="en-US" sz="3200" b="1" smtClean="0">
-                <a:solidFill>
-                  <a:srgbClr val="FF0000"/>
-                </a:solidFill>
-                <a:latin typeface="メイリオ" panose="020B0604030504040204" pitchFamily="50" charset="-128"/>
-                <a:ea typeface="メイリオ" panose="020B0604030504040204" pitchFamily="50" charset="-128"/>
-                <a:cs typeface="メイリオ" panose="020B0604030504040204" pitchFamily="50" charset="-128"/>
-              </a:rPr>
-              <a:t>よってデータセットは変化</a:t>
-            </a:r>
-            <a:endParaRPr lang="en-US" altLang="ja-JP" sz="3200" b="1" dirty="0">
-              <a:solidFill>
-                <a:srgbClr val="FF0000"/>
-              </a:solidFill>
-              <a:latin typeface="メイリオ" panose="020B0604030504040204" pitchFamily="50" charset="-128"/>
-              <a:ea typeface="メイリオ" panose="020B0604030504040204" pitchFamily="50" charset="-128"/>
-              <a:cs typeface="メイリオ" panose="020B0604030504040204" pitchFamily="50" charset="-128"/>
             </a:endParaRPr>
           </a:p>
         </p:txBody>

--- a/soturon-02-20.pptx
+++ b/soturon-02-20.pptx
@@ -20,10 +20,10 @@
     <p:sldId id="262" r:id="rId8"/>
     <p:sldId id="271" r:id="rId9"/>
     <p:sldId id="266" r:id="rId10"/>
-    <p:sldId id="285" r:id="rId11"/>
+    <p:sldId id="268" r:id="rId11"/>
     <p:sldId id="264" r:id="rId12"/>
     <p:sldId id="277" r:id="rId13"/>
-    <p:sldId id="268" r:id="rId14"/>
+    <p:sldId id="285" r:id="rId14"/>
     <p:sldId id="272" r:id="rId15"/>
     <p:sldId id="282" r:id="rId16"/>
     <p:sldId id="284" r:id="rId17"/>
@@ -1144,7 +1144,7 @@
                 <a:ea typeface="+mn-ea"/>
                 <a:cs typeface="+mn-cs"/>
               </a:rPr>
-              <a:t>必すし も正答率か一致しないことかわかりました</a:t>
+              <a:t>学習済時で得られた正答率の方が低い傾向であるとわかりました</a:t>
             </a:r>
             <a:endParaRPr kumimoji="1" lang="en-US" altLang="ja-JP" sz="1200" kern="1200" dirty="0" smtClean="0">
               <a:solidFill>
@@ -1343,7 +1343,7 @@
     </p:spTree>
     <p:extLst>
       <p:ext uri="{BB962C8B-B14F-4D97-AF65-F5344CB8AC3E}">
-        <p14:creationId xmlns:p14="http://schemas.microsoft.com/office/powerpoint/2010/main" val="1088023766"/>
+        <p14:creationId xmlns:p14="http://schemas.microsoft.com/office/powerpoint/2010/main" val="472954264"/>
       </p:ext>
     </p:extLst>
   </p:cSld>
@@ -4384,7 +4384,7 @@
                 <a:ea typeface="+mn-ea"/>
                 <a:cs typeface="+mn-cs"/>
               </a:rPr>
-              <a:t>学習済時で得られた正答率の方が低い傾向であるとわかりました</a:t>
+              <a:t>必すし も正答率か一致しないことかわかりました</a:t>
             </a:r>
             <a:endParaRPr kumimoji="1" lang="en-US" altLang="ja-JP" sz="1200" kern="1200" dirty="0" smtClean="0">
               <a:solidFill>
@@ -4583,7 +4583,7 @@
     </p:spTree>
     <p:extLst>
       <p:ext uri="{BB962C8B-B14F-4D97-AF65-F5344CB8AC3E}">
-        <p14:creationId xmlns:p14="http://schemas.microsoft.com/office/powerpoint/2010/main" val="472954264"/>
+        <p14:creationId xmlns:p14="http://schemas.microsoft.com/office/powerpoint/2010/main" val="1088023766"/>
       </p:ext>
     </p:extLst>
   </p:cSld>
@@ -9058,11 +9058,7 @@
             <a:graphicFrameLocks noGrp="1"/>
           </p:cNvGraphicFramePr>
           <p:nvPr>
-            <p:extLst>
-              <p:ext uri="{D42A27DB-BD31-4B8C-83A1-F6EECF244321}">
-                <p14:modId xmlns:p14="http://schemas.microsoft.com/office/powerpoint/2010/main" val="1943199047"/>
-              </p:ext>
-            </p:extLst>
+            <p:extLst/>
           </p:nvPr>
         </p:nvGraphicFramePr>
         <p:xfrm>
@@ -9449,11 +9445,7 @@
             <a:graphicFrameLocks noGrp="1"/>
           </p:cNvGraphicFramePr>
           <p:nvPr>
-            <p:extLst>
-              <p:ext uri="{D42A27DB-BD31-4B8C-83A1-F6EECF244321}">
-                <p14:modId xmlns:p14="http://schemas.microsoft.com/office/powerpoint/2010/main" val="1976894312"/>
-              </p:ext>
-            </p:extLst>
+            <p:extLst/>
           </p:nvPr>
         </p:nvGraphicFramePr>
         <p:xfrm>
@@ -9899,14 +9891,14 @@
           <p:nvPr>
             <p:extLst>
               <p:ext uri="{D42A27DB-BD31-4B8C-83A1-F6EECF244321}">
-                <p14:modId xmlns:p14="http://schemas.microsoft.com/office/powerpoint/2010/main" val="1153569781"/>
+                <p14:modId xmlns:p14="http://schemas.microsoft.com/office/powerpoint/2010/main" val="1558513057"/>
               </p:ext>
             </p:extLst>
           </p:nvPr>
         </p:nvGraphicFramePr>
         <p:xfrm>
-          <a:off x="323528" y="2053177"/>
-          <a:ext cx="8379834" cy="3253116"/>
+          <a:off x="1043608" y="2276872"/>
+          <a:ext cx="6851842" cy="3218656"/>
         </p:xfrm>
         <a:graphic>
           <a:graphicData uri="http://schemas.openxmlformats.org/drawingml/2006/table">
@@ -9915,35 +9907,35 @@
                 <a:tableStyleId>{5C22544A-7EE6-4342-B048-85BDC9FD1C3A}</a:tableStyleId>
               </a:tblPr>
               <a:tblGrid>
-                <a:gridCol w="1224020">
+                <a:gridCol w="1195896">
                   <a:extLst>
                     <a:ext uri="{9D8B030D-6E8A-4147-A177-3AD203B41FA5}">
                       <a16:colId xmlns:a16="http://schemas.microsoft.com/office/drawing/2014/main" xmlns="" val="20000"/>
                     </a:ext>
                   </a:extLst>
                 </a:gridCol>
-                <a:gridCol w="2259730">
+                <a:gridCol w="1502093">
                   <a:extLst>
                     <a:ext uri="{9D8B030D-6E8A-4147-A177-3AD203B41FA5}">
                       <a16:colId xmlns:a16="http://schemas.microsoft.com/office/drawing/2014/main" xmlns="" val="20001"/>
                     </a:ext>
                   </a:extLst>
                 </a:gridCol>
-                <a:gridCol w="2109081">
+                <a:gridCol w="1325880">
                   <a:extLst>
                     <a:ext uri="{9D8B030D-6E8A-4147-A177-3AD203B41FA5}">
                       <a16:colId xmlns:a16="http://schemas.microsoft.com/office/drawing/2014/main" xmlns="" val="20002"/>
                     </a:ext>
                   </a:extLst>
                 </a:gridCol>
-                <a:gridCol w="1468826">
+                <a:gridCol w="1502093">
                   <a:extLst>
                     <a:ext uri="{9D8B030D-6E8A-4147-A177-3AD203B41FA5}">
                       <a16:colId xmlns:a16="http://schemas.microsoft.com/office/drawing/2014/main" xmlns="" val="20003"/>
                     </a:ext>
                   </a:extLst>
                 </a:gridCol>
-                <a:gridCol w="1318177">
+                <a:gridCol w="1325880">
                   <a:extLst>
                     <a:ext uri="{9D8B030D-6E8A-4147-A177-3AD203B41FA5}">
                       <a16:colId xmlns:a16="http://schemas.microsoft.com/office/drawing/2014/main" xmlns="" val="20004"/>
@@ -9951,7 +9943,7 @@
                   </a:extLst>
                 </a:gridCol>
               </a:tblGrid>
-              <a:tr h="492366">
+              <a:tr h="792088">
                 <a:tc>
                   <a:txBody>
                     <a:bodyPr/>
@@ -9967,34 +9959,11 @@
                     <a:bodyPr/>
                     <a:lstStyle/>
                     <a:p>
-                      <a:r>
-                        <a:rPr kumimoji="1" lang="en-US" altLang="ja-JP" sz="2400" dirty="0" smtClean="0"/>
-                        <a:t>Train Random</a:t>
-                      </a:r>
-                      <a:endParaRPr kumimoji="1" lang="ja-JP" altLang="en-US" sz="2400" dirty="0"/>
+                      <a:pPr algn="ctr"/>
+                      <a:endParaRPr kumimoji="1" lang="en-US" altLang="ja-JP" sz="2400" dirty="0" smtClean="0"/>
                     </a:p>
-                  </a:txBody>
-                  <a:tcPr/>
-                </a:tc>
-                <a:tc>
-                  <a:txBody>
-                    <a:bodyPr/>
-                    <a:lstStyle/>
                     <a:p>
-                      <a:r>
-                        <a:rPr kumimoji="1" lang="en-US" altLang="ja-JP" sz="2400" dirty="0" smtClean="0"/>
-                        <a:t>Train English</a:t>
-                      </a:r>
-                      <a:endParaRPr kumimoji="1" lang="ja-JP" altLang="en-US" sz="2400" dirty="0"/>
-                    </a:p>
-                  </a:txBody>
-                  <a:tcPr/>
-                </a:tc>
-                <a:tc>
-                  <a:txBody>
-                    <a:bodyPr/>
-                    <a:lstStyle/>
-                    <a:p>
+                      <a:pPr algn="ctr"/>
                       <a:r>
                         <a:rPr kumimoji="1" lang="en-US" altLang="ja-JP" sz="2400" dirty="0" smtClean="0"/>
                         <a:t>Random</a:t>
@@ -10009,6 +9978,15 @@
                     <a:bodyPr/>
                     <a:lstStyle/>
                     <a:p>
+                      <a:pPr algn="ctr"/>
+                      <a:r>
+                        <a:rPr kumimoji="1" lang="en-US" altLang="ja-JP" sz="2400" dirty="0" smtClean="0"/>
+                        <a:t> </a:t>
+                      </a:r>
+                      <a:endParaRPr kumimoji="1" lang="en-US" altLang="ja-JP" sz="2400" dirty="0" smtClean="0"/>
+                    </a:p>
+                    <a:p>
+                      <a:pPr algn="ctr"/>
                       <a:r>
                         <a:rPr kumimoji="1" lang="en-US" altLang="ja-JP" sz="2400" dirty="0" smtClean="0"/>
                         <a:t>English</a:t>
@@ -10018,13 +9996,43 @@
                   </a:txBody>
                   <a:tcPr/>
                 </a:tc>
+                <a:tc>
+                  <a:txBody>
+                    <a:bodyPr/>
+                    <a:lstStyle/>
+                    <a:p>
+                      <a:pPr algn="ctr"/>
+                      <a:r>
+                        <a:rPr kumimoji="1" lang="en-US" altLang="ja-JP" sz="2400" dirty="0" smtClean="0"/>
+                        <a:t>Random</a:t>
+                      </a:r>
+                      <a:endParaRPr kumimoji="1" lang="ja-JP" altLang="en-US" sz="2400" dirty="0"/>
+                    </a:p>
+                  </a:txBody>
+                  <a:tcPr anchor="ctr" anchorCtr="1"/>
+                </a:tc>
+                <a:tc>
+                  <a:txBody>
+                    <a:bodyPr/>
+                    <a:lstStyle/>
+                    <a:p>
+                      <a:pPr algn="ctr"/>
+                      <a:r>
+                        <a:rPr kumimoji="1" lang="en-US" altLang="ja-JP" sz="2400" dirty="0" smtClean="0"/>
+                        <a:t>English</a:t>
+                      </a:r>
+                      <a:endParaRPr kumimoji="1" lang="ja-JP" altLang="en-US" sz="2400" dirty="0"/>
+                    </a:p>
+                  </a:txBody>
+                  <a:tcPr anchor="ctr" anchorCtr="1"/>
+                </a:tc>
                 <a:extLst>
                   <a:ext uri="{0D108BD9-81ED-4DB2-BD59-A6C34878D82A}">
                     <a16:rowId xmlns:a16="http://schemas.microsoft.com/office/drawing/2014/main" xmlns="" val="10000"/>
                   </a:ext>
                 </a:extLst>
               </a:tr>
-              <a:tr h="552150">
+              <a:tr h="473184">
                 <a:tc>
                   <a:txBody>
                     <a:bodyPr/>
@@ -10091,11 +10099,7 @@
                     <a:p>
                       <a:pPr algn="r"/>
                       <a:r>
-                        <a:rPr kumimoji="1" lang="en-US" altLang="ja-JP" sz="2400" dirty="0" smtClean="0">
-                          <a:solidFill>
-                            <a:schemeClr val="tx1"/>
-                          </a:solidFill>
-                        </a:rPr>
+                        <a:rPr kumimoji="1" lang="en-US" altLang="ja-JP" sz="2400" dirty="0" smtClean="0"/>
                         <a:t>51%</a:t>
                       </a:r>
                       <a:endParaRPr kumimoji="1" lang="ja-JP" altLang="en-US" sz="2400" dirty="0">
@@ -10113,7 +10117,7 @@
                   </a:ext>
                 </a:extLst>
               </a:tr>
-              <a:tr h="552150">
+              <a:tr h="504056">
                 <a:tc>
                   <a:txBody>
                     <a:bodyPr/>
@@ -10180,11 +10184,7 @@
                     <a:p>
                       <a:pPr algn="r"/>
                       <a:r>
-                        <a:rPr kumimoji="1" lang="en-US" altLang="ja-JP" sz="2400" dirty="0" smtClean="0">
-                          <a:solidFill>
-                            <a:schemeClr val="tx1"/>
-                          </a:solidFill>
-                        </a:rPr>
+                        <a:rPr kumimoji="1" lang="en-US" altLang="ja-JP" sz="2400" dirty="0" smtClean="0"/>
                         <a:t>9%</a:t>
                       </a:r>
                       <a:endParaRPr kumimoji="1" lang="ja-JP" altLang="en-US" sz="2400" dirty="0">
@@ -10202,7 +10202,7 @@
                   </a:ext>
                 </a:extLst>
               </a:tr>
-              <a:tr h="552150">
+              <a:tr h="504056">
                 <a:tc>
                   <a:txBody>
                     <a:bodyPr/>
@@ -10269,11 +10269,7 @@
                     <a:p>
                       <a:pPr algn="r"/>
                       <a:r>
-                        <a:rPr kumimoji="1" lang="en-US" altLang="ja-JP" sz="2400" dirty="0" smtClean="0">
-                          <a:solidFill>
-                            <a:schemeClr val="tx1"/>
-                          </a:solidFill>
-                        </a:rPr>
+                        <a:rPr kumimoji="1" lang="en-US" altLang="ja-JP" sz="2400" dirty="0" smtClean="0"/>
                         <a:t>4%</a:t>
                       </a:r>
                       <a:endParaRPr kumimoji="1" lang="ja-JP" altLang="en-US" sz="2400" dirty="0">
@@ -10291,7 +10287,7 @@
                   </a:ext>
                 </a:extLst>
               </a:tr>
-              <a:tr h="552150">
+              <a:tr h="432048">
                 <a:tc>
                   <a:txBody>
                     <a:bodyPr/>
@@ -10358,11 +10354,7 @@
                     <a:p>
                       <a:pPr algn="r"/>
                       <a:r>
-                        <a:rPr kumimoji="1" lang="en-US" altLang="ja-JP" sz="2400" dirty="0" smtClean="0">
-                          <a:solidFill>
-                            <a:schemeClr val="tx1"/>
-                          </a:solidFill>
-                        </a:rPr>
+                        <a:rPr kumimoji="1" lang="en-US" altLang="ja-JP" sz="2400" dirty="0" smtClean="0"/>
                         <a:t>2%</a:t>
                       </a:r>
                       <a:endParaRPr kumimoji="1" lang="ja-JP" altLang="en-US" sz="2400" dirty="0">
@@ -10380,7 +10372,7 @@
                   </a:ext>
                 </a:extLst>
               </a:tr>
-              <a:tr h="552150">
+              <a:tr h="406896">
                 <a:tc>
                   <a:txBody>
                     <a:bodyPr/>
@@ -10447,11 +10439,7 @@
                     <a:p>
                       <a:pPr algn="r"/>
                       <a:r>
-                        <a:rPr kumimoji="1" lang="en-US" altLang="ja-JP" sz="2400" dirty="0" smtClean="0">
-                          <a:solidFill>
-                            <a:schemeClr val="tx1"/>
-                          </a:solidFill>
-                        </a:rPr>
+                        <a:rPr kumimoji="1" lang="en-US" altLang="ja-JP" sz="2400" dirty="0" smtClean="0"/>
                         <a:t>11%</a:t>
                       </a:r>
                       <a:endParaRPr kumimoji="1" lang="ja-JP" altLang="en-US" sz="2400" dirty="0">
@@ -10473,10 +10461,64 @@
           </a:graphicData>
         </a:graphic>
       </p:graphicFrame>
+      <p:graphicFrame>
+        <p:nvGraphicFramePr>
+          <p:cNvPr id="9" name="表 8"/>
+          <p:cNvGraphicFramePr>
+            <a:graphicFrameLocks noGrp="1"/>
+          </p:cNvGraphicFramePr>
+          <p:nvPr>
+            <p:extLst>
+              <p:ext uri="{D42A27DB-BD31-4B8C-83A1-F6EECF244321}">
+                <p14:modId xmlns:p14="http://schemas.microsoft.com/office/powerpoint/2010/main" val="1901480715"/>
+              </p:ext>
+            </p:extLst>
+          </p:nvPr>
+        </p:nvGraphicFramePr>
+        <p:xfrm>
+          <a:off x="2230898" y="1906032"/>
+          <a:ext cx="5664552" cy="370840"/>
+        </p:xfrm>
+        <a:graphic>
+          <a:graphicData uri="http://schemas.openxmlformats.org/drawingml/2006/table">
+            <a:tbl>
+              <a:tblPr firstRow="1" bandRow="1">
+                <a:tableStyleId>{5C22544A-7EE6-4342-B048-85BDC9FD1C3A}</a:tableStyleId>
+              </a:tblPr>
+              <a:tblGrid>
+                <a:gridCol w="2832276"/>
+                <a:gridCol w="2832276"/>
+              </a:tblGrid>
+              <a:tr h="370840">
+                <a:tc>
+                  <a:txBody>
+                    <a:bodyPr/>
+                    <a:lstStyle/>
+                    <a:p>
+                      <a:endParaRPr kumimoji="1" lang="ja-JP" altLang="en-US" dirty="0"/>
+                    </a:p>
+                  </a:txBody>
+                  <a:tcPr/>
+                </a:tc>
+                <a:tc>
+                  <a:txBody>
+                    <a:bodyPr/>
+                    <a:lstStyle/>
+                    <a:p>
+                      <a:endParaRPr kumimoji="1" lang="ja-JP" altLang="en-US" dirty="0"/>
+                    </a:p>
+                  </a:txBody>
+                  <a:tcPr/>
+                </a:tc>
+              </a:tr>
+            </a:tbl>
+          </a:graphicData>
+        </a:graphic>
+      </p:graphicFrame>
     </p:spTree>
     <p:extLst>
       <p:ext uri="{BB962C8B-B14F-4D97-AF65-F5344CB8AC3E}">
-        <p14:creationId xmlns:p14="http://schemas.microsoft.com/office/powerpoint/2010/main" val="173964019"/>
+        <p14:creationId xmlns:p14="http://schemas.microsoft.com/office/powerpoint/2010/main" val="1429426579"/>
       </p:ext>
     </p:extLst>
   </p:cSld>
@@ -16144,14 +16186,14 @@
           <a:lstStyle/>
           <a:p>
             <a:r>
-              <a:rPr kumimoji="1" lang="ja-JP" altLang="en-US" dirty="0" smtClean="0">
+              <a:rPr kumimoji="1" lang="ja-JP" altLang="en-US" b="1" dirty="0" smtClean="0">
                 <a:latin typeface="Meiryo" charset="-128"/>
                 <a:ea typeface="Meiryo" charset="-128"/>
                 <a:cs typeface="Meiryo" charset="-128"/>
               </a:rPr>
               <a:t>変</a:t>
             </a:r>
-            <a:endParaRPr kumimoji="1" lang="en-US" altLang="ja-JP" dirty="0" smtClean="0">
+            <a:endParaRPr kumimoji="1" lang="en-US" altLang="ja-JP" b="1" dirty="0" smtClean="0">
               <a:latin typeface="Meiryo" charset="-128"/>
               <a:ea typeface="Meiryo" charset="-128"/>
               <a:cs typeface="Meiryo" charset="-128"/>
@@ -16159,14 +16201,14 @@
           </a:p>
           <a:p>
             <a:r>
-              <a:rPr kumimoji="1" lang="ja-JP" altLang="en-US" dirty="0" smtClean="0">
+              <a:rPr kumimoji="1" lang="ja-JP" altLang="en-US" b="1" dirty="0" smtClean="0">
                 <a:latin typeface="Meiryo" charset="-128"/>
                 <a:ea typeface="Meiryo" charset="-128"/>
                 <a:cs typeface="Meiryo" charset="-128"/>
               </a:rPr>
               <a:t>異</a:t>
             </a:r>
-            <a:endParaRPr kumimoji="1" lang="ja-JP" altLang="en-US" dirty="0">
+            <a:endParaRPr kumimoji="1" lang="ja-JP" altLang="en-US" b="1" dirty="0">
               <a:latin typeface="Meiryo" charset="-128"/>
               <a:ea typeface="Meiryo" charset="-128"/>
               <a:cs typeface="Meiryo" charset="-128"/>
@@ -25846,7 +25888,11 @@
             <a:graphicFrameLocks noGrp="1"/>
           </p:cNvGraphicFramePr>
           <p:nvPr>
-            <p:extLst/>
+            <p:extLst>
+              <p:ext uri="{D42A27DB-BD31-4B8C-83A1-F6EECF244321}">
+                <p14:modId xmlns:p14="http://schemas.microsoft.com/office/powerpoint/2010/main" val="1943199047"/>
+              </p:ext>
+            </p:extLst>
           </p:nvPr>
         </p:nvGraphicFramePr>
         <p:xfrm>
@@ -26233,12 +26279,16 @@
             <a:graphicFrameLocks noGrp="1"/>
           </p:cNvGraphicFramePr>
           <p:nvPr>
-            <p:extLst/>
+            <p:extLst>
+              <p:ext uri="{D42A27DB-BD31-4B8C-83A1-F6EECF244321}">
+                <p14:modId xmlns:p14="http://schemas.microsoft.com/office/powerpoint/2010/main" val="776034731"/>
+              </p:ext>
+            </p:extLst>
           </p:nvPr>
         </p:nvGraphicFramePr>
         <p:xfrm>
-          <a:off x="-4573016" y="1844824"/>
-          <a:ext cx="3024336" cy="2225040"/>
+          <a:off x="533510" y="2708920"/>
+          <a:ext cx="4594607" cy="3108960"/>
         </p:xfrm>
         <a:graphic>
           <a:graphicData uri="http://schemas.openxmlformats.org/drawingml/2006/table">
@@ -26247,21 +26297,21 @@
                 <a:tableStyleId>{5C22544A-7EE6-4342-B048-85BDC9FD1C3A}</a:tableStyleId>
               </a:tblPr>
               <a:tblGrid>
-                <a:gridCol w="864096">
+                <a:gridCol w="1361821">
                   <a:extLst>
                     <a:ext uri="{9D8B030D-6E8A-4147-A177-3AD203B41FA5}">
                       <a16:colId xmlns:a16="http://schemas.microsoft.com/office/drawing/2014/main" xmlns="" val="20000"/>
                     </a:ext>
                   </a:extLst>
                 </a:gridCol>
-                <a:gridCol w="1152128">
+                <a:gridCol w="1721168">
                   <a:extLst>
                     <a:ext uri="{9D8B030D-6E8A-4147-A177-3AD203B41FA5}">
                       <a16:colId xmlns:a16="http://schemas.microsoft.com/office/drawing/2014/main" xmlns="" val="20001"/>
                     </a:ext>
                   </a:extLst>
                 </a:gridCol>
-                <a:gridCol w="1008112">
+                <a:gridCol w="1511618">
                   <a:extLst>
                     <a:ext uri="{9D8B030D-6E8A-4147-A177-3AD203B41FA5}">
                       <a16:colId xmlns:a16="http://schemas.microsoft.com/office/drawing/2014/main" xmlns="" val="20002"/>
@@ -26275,7 +26325,7 @@
                     <a:bodyPr/>
                     <a:lstStyle/>
                     <a:p>
-                      <a:endParaRPr kumimoji="1" lang="ja-JP" altLang="en-US" dirty="0"/>
+                      <a:endParaRPr kumimoji="1" lang="ja-JP" altLang="en-US" sz="2800" dirty="0"/>
                     </a:p>
                   </a:txBody>
                   <a:tcPr/>
@@ -26285,11 +26335,12 @@
                     <a:bodyPr/>
                     <a:lstStyle/>
                     <a:p>
+                      <a:pPr algn="ctr"/>
                       <a:r>
-                        <a:rPr kumimoji="1" lang="en-US" altLang="ja-JP" baseline="0" dirty="0" smtClean="0"/>
+                        <a:rPr kumimoji="1" lang="en-US" altLang="ja-JP" sz="2800" baseline="0" dirty="0" smtClean="0"/>
                         <a:t>Random</a:t>
                       </a:r>
-                      <a:endParaRPr kumimoji="1" lang="ja-JP" altLang="en-US" dirty="0"/>
+                      <a:endParaRPr kumimoji="1" lang="ja-JP" altLang="en-US" sz="2800" dirty="0"/>
                     </a:p>
                   </a:txBody>
                   <a:tcPr/>
@@ -26299,11 +26350,12 @@
                     <a:bodyPr/>
                     <a:lstStyle/>
                     <a:p>
+                      <a:pPr algn="ctr"/>
                       <a:r>
-                        <a:rPr kumimoji="1" lang="en-US" altLang="ja-JP" baseline="0" dirty="0" smtClean="0"/>
+                        <a:rPr kumimoji="1" lang="en-US" altLang="ja-JP" sz="2800" baseline="0" dirty="0" smtClean="0"/>
                         <a:t>English</a:t>
                       </a:r>
-                      <a:endParaRPr kumimoji="1" lang="ja-JP" altLang="en-US" dirty="0"/>
+                      <a:endParaRPr kumimoji="1" lang="ja-JP" altLang="en-US" sz="2800" dirty="0"/>
                     </a:p>
                   </a:txBody>
                   <a:tcPr/>
@@ -26321,10 +26373,10 @@
                     <a:lstStyle/>
                     <a:p>
                       <a:r>
-                        <a:rPr kumimoji="1" lang="en-US" altLang="ja-JP" dirty="0" err="1" smtClean="0"/>
+                        <a:rPr kumimoji="1" lang="en-US" altLang="ja-JP" sz="2800" dirty="0" err="1" smtClean="0"/>
                         <a:t>cksum</a:t>
                       </a:r>
-                      <a:endParaRPr kumimoji="1" lang="ja-JP" altLang="en-US" dirty="0"/>
+                      <a:endParaRPr kumimoji="1" lang="ja-JP" altLang="en-US" sz="2800" dirty="0"/>
                     </a:p>
                   </a:txBody>
                   <a:tcPr/>
@@ -26336,10 +26388,10 @@
                     <a:p>
                       <a:pPr algn="r"/>
                       <a:r>
-                        <a:rPr kumimoji="1" lang="en-US" altLang="ja-JP" dirty="0" smtClean="0"/>
+                        <a:rPr kumimoji="1" lang="en-US" altLang="ja-JP" sz="2800" dirty="0" smtClean="0"/>
                         <a:t>52%</a:t>
                       </a:r>
-                      <a:endParaRPr kumimoji="1" lang="ja-JP" altLang="en-US" dirty="0"/>
+                      <a:endParaRPr kumimoji="1" lang="ja-JP" altLang="en-US" sz="2800" dirty="0"/>
                     </a:p>
                   </a:txBody>
                   <a:tcPr/>
@@ -26351,10 +26403,10 @@
                     <a:p>
                       <a:pPr algn="r"/>
                       <a:r>
-                        <a:rPr kumimoji="1" lang="en-US" altLang="ja-JP" dirty="0" smtClean="0"/>
+                        <a:rPr kumimoji="1" lang="en-US" altLang="ja-JP" sz="2800" dirty="0" smtClean="0"/>
                         <a:t>50%</a:t>
                       </a:r>
-                      <a:endParaRPr kumimoji="1" lang="ja-JP" altLang="en-US" dirty="0"/>
+                      <a:endParaRPr kumimoji="1" lang="ja-JP" altLang="en-US" sz="2800" dirty="0"/>
                     </a:p>
                   </a:txBody>
                   <a:tcPr/>
@@ -26372,10 +26424,10 @@
                     <a:lstStyle/>
                     <a:p>
                       <a:r>
-                        <a:rPr kumimoji="1" lang="en-US" altLang="ja-JP" smtClean="0"/>
+                        <a:rPr kumimoji="1" lang="en-US" altLang="ja-JP" sz="2800" smtClean="0"/>
                         <a:t>CRC16</a:t>
                       </a:r>
-                      <a:endParaRPr kumimoji="1" lang="ja-JP" altLang="en-US" dirty="0"/>
+                      <a:endParaRPr kumimoji="1" lang="ja-JP" altLang="en-US" sz="2800" dirty="0"/>
                     </a:p>
                   </a:txBody>
                   <a:tcPr/>
@@ -26387,10 +26439,10 @@
                     <a:p>
                       <a:pPr algn="r"/>
                       <a:r>
-                        <a:rPr kumimoji="1" lang="en-US" altLang="ja-JP" dirty="0" smtClean="0"/>
+                        <a:rPr kumimoji="1" lang="en-US" altLang="ja-JP" sz="2800" dirty="0" smtClean="0"/>
                         <a:t>53%</a:t>
                       </a:r>
-                      <a:endParaRPr kumimoji="1" lang="ja-JP" altLang="en-US" dirty="0"/>
+                      <a:endParaRPr kumimoji="1" lang="ja-JP" altLang="en-US" sz="2800" dirty="0"/>
                     </a:p>
                   </a:txBody>
                   <a:tcPr/>
@@ -26402,10 +26454,10 @@
                     <a:p>
                       <a:pPr algn="r"/>
                       <a:r>
-                        <a:rPr kumimoji="1" lang="en-US" altLang="ja-JP" dirty="0" smtClean="0"/>
+                        <a:rPr kumimoji="1" lang="en-US" altLang="ja-JP" sz="2800" dirty="0" smtClean="0"/>
                         <a:t>47%</a:t>
                       </a:r>
-                      <a:endParaRPr kumimoji="1" lang="ja-JP" altLang="en-US" dirty="0"/>
+                      <a:endParaRPr kumimoji="1" lang="ja-JP" altLang="en-US" sz="2800" dirty="0"/>
                     </a:p>
                   </a:txBody>
                   <a:tcPr/>
@@ -26423,10 +26475,10 @@
                     <a:lstStyle/>
                     <a:p>
                       <a:r>
-                        <a:rPr kumimoji="1" lang="en-US" altLang="ja-JP" smtClean="0"/>
+                        <a:rPr kumimoji="1" lang="en-US" altLang="ja-JP" sz="2800" smtClean="0"/>
                         <a:t>CRC32</a:t>
                       </a:r>
-                      <a:endParaRPr kumimoji="1" lang="ja-JP" altLang="en-US" dirty="0"/>
+                      <a:endParaRPr kumimoji="1" lang="ja-JP" altLang="en-US" sz="2800" dirty="0"/>
                     </a:p>
                   </a:txBody>
                   <a:tcPr/>
@@ -26438,10 +26490,10 @@
                     <a:p>
                       <a:pPr algn="r"/>
                       <a:r>
-                        <a:rPr kumimoji="1" lang="en-US" altLang="ja-JP" dirty="0" smtClean="0"/>
+                        <a:rPr kumimoji="1" lang="en-US" altLang="ja-JP" sz="2800" dirty="0" smtClean="0"/>
                         <a:t>54%</a:t>
                       </a:r>
-                      <a:endParaRPr kumimoji="1" lang="ja-JP" altLang="en-US" dirty="0"/>
+                      <a:endParaRPr kumimoji="1" lang="ja-JP" altLang="en-US" sz="2800" dirty="0"/>
                     </a:p>
                   </a:txBody>
                   <a:tcPr/>
@@ -26453,10 +26505,10 @@
                     <a:p>
                       <a:pPr algn="r"/>
                       <a:r>
-                        <a:rPr kumimoji="1" lang="en-US" altLang="ja-JP" dirty="0" smtClean="0"/>
+                        <a:rPr kumimoji="1" lang="en-US" altLang="ja-JP" sz="2800" dirty="0" smtClean="0"/>
                         <a:t>50%</a:t>
                       </a:r>
-                      <a:endParaRPr kumimoji="1" lang="ja-JP" altLang="en-US" dirty="0"/>
+                      <a:endParaRPr kumimoji="1" lang="ja-JP" altLang="en-US" sz="2800" dirty="0"/>
                     </a:p>
                   </a:txBody>
                   <a:tcPr/>
@@ -26474,10 +26526,10 @@
                     <a:lstStyle/>
                     <a:p>
                       <a:r>
-                        <a:rPr kumimoji="1" lang="en-US" altLang="ja-JP" dirty="0" smtClean="0"/>
+                        <a:rPr kumimoji="1" lang="en-US" altLang="ja-JP" sz="2800" dirty="0" smtClean="0"/>
                         <a:t>MD5</a:t>
                       </a:r>
-                      <a:endParaRPr kumimoji="1" lang="ja-JP" altLang="en-US" dirty="0"/>
+                      <a:endParaRPr kumimoji="1" lang="ja-JP" altLang="en-US" sz="2800" dirty="0"/>
                     </a:p>
                   </a:txBody>
                   <a:tcPr/>
@@ -26489,10 +26541,10 @@
                     <a:p>
                       <a:pPr algn="r"/>
                       <a:r>
-                        <a:rPr kumimoji="1" lang="en-US" altLang="ja-JP" dirty="0" smtClean="0"/>
+                        <a:rPr kumimoji="1" lang="en-US" altLang="ja-JP" sz="2800" dirty="0" smtClean="0"/>
                         <a:t>11%</a:t>
                       </a:r>
-                      <a:endParaRPr kumimoji="1" lang="ja-JP" altLang="en-US" dirty="0"/>
+                      <a:endParaRPr kumimoji="1" lang="ja-JP" altLang="en-US" sz="2800" dirty="0"/>
                     </a:p>
                   </a:txBody>
                   <a:tcPr/>
@@ -26504,10 +26556,10 @@
                     <a:p>
                       <a:pPr algn="r"/>
                       <a:r>
-                        <a:rPr kumimoji="1" lang="en-US" altLang="ja-JP" dirty="0" smtClean="0"/>
+                        <a:rPr kumimoji="1" lang="en-US" altLang="ja-JP" sz="2800" dirty="0" smtClean="0"/>
                         <a:t>11%</a:t>
                       </a:r>
-                      <a:endParaRPr kumimoji="1" lang="ja-JP" altLang="en-US" dirty="0"/>
+                      <a:endParaRPr kumimoji="1" lang="ja-JP" altLang="en-US" sz="2800" dirty="0"/>
                     </a:p>
                   </a:txBody>
                   <a:tcPr/>
@@ -26525,10 +26577,10 @@
                     <a:lstStyle/>
                     <a:p>
                       <a:r>
-                        <a:rPr kumimoji="1" lang="en-US" altLang="ja-JP" dirty="0" smtClean="0"/>
+                        <a:rPr kumimoji="1" lang="en-US" altLang="ja-JP" sz="2800" dirty="0" smtClean="0"/>
                         <a:t>SHA1</a:t>
                       </a:r>
-                      <a:endParaRPr kumimoji="1" lang="ja-JP" altLang="en-US" dirty="0"/>
+                      <a:endParaRPr kumimoji="1" lang="ja-JP" altLang="en-US" sz="2800" dirty="0"/>
                     </a:p>
                   </a:txBody>
                   <a:tcPr/>
@@ -26540,10 +26592,10 @@
                     <a:p>
                       <a:pPr algn="r"/>
                       <a:r>
-                        <a:rPr kumimoji="1" lang="en-US" altLang="ja-JP" dirty="0" smtClean="0"/>
+                        <a:rPr kumimoji="1" lang="en-US" altLang="ja-JP" sz="2800" dirty="0" smtClean="0"/>
                         <a:t>14%</a:t>
                       </a:r>
-                      <a:endParaRPr kumimoji="1" lang="ja-JP" altLang="en-US" dirty="0"/>
+                      <a:endParaRPr kumimoji="1" lang="ja-JP" altLang="en-US" sz="2800" dirty="0"/>
                     </a:p>
                   </a:txBody>
                   <a:tcPr/>
@@ -26555,10 +26607,10 @@
                     <a:p>
                       <a:pPr algn="r"/>
                       <a:r>
-                        <a:rPr kumimoji="1" lang="en-US" altLang="ja-JP" dirty="0" smtClean="0"/>
+                        <a:rPr kumimoji="1" lang="en-US" altLang="ja-JP" sz="2800" dirty="0" smtClean="0"/>
                         <a:t>19%</a:t>
                       </a:r>
-                      <a:endParaRPr kumimoji="1" lang="ja-JP" altLang="en-US" dirty="0"/>
+                      <a:endParaRPr kumimoji="1" lang="ja-JP" altLang="en-US" sz="2800" dirty="0"/>
                     </a:p>
                   </a:txBody>
                   <a:tcPr/>
@@ -26672,72 +26724,44 @@
       </p:sp>
       <p:graphicFrame>
         <p:nvGraphicFramePr>
-          <p:cNvPr id="4" name="表 3"/>
+          <p:cNvPr id="12" name="表 11"/>
           <p:cNvGraphicFramePr>
             <a:graphicFrameLocks noGrp="1"/>
           </p:cNvGraphicFramePr>
           <p:nvPr>
             <p:extLst>
               <p:ext uri="{D42A27DB-BD31-4B8C-83A1-F6EECF244321}">
-                <p14:modId xmlns:p14="http://schemas.microsoft.com/office/powerpoint/2010/main" val="1606906275"/>
+                <p14:modId xmlns:p14="http://schemas.microsoft.com/office/powerpoint/2010/main" val="351166841"/>
               </p:ext>
             </p:extLst>
           </p:nvPr>
         </p:nvGraphicFramePr>
         <p:xfrm>
-          <a:off x="1043608" y="2276872"/>
-          <a:ext cx="6851842" cy="3218656"/>
+          <a:off x="5128117" y="2708920"/>
+          <a:ext cx="3331299" cy="3108960"/>
         </p:xfrm>
         <a:graphic>
           <a:graphicData uri="http://schemas.openxmlformats.org/drawingml/2006/table">
             <a:tbl>
               <a:tblPr firstRow="1" bandRow="1">
-                <a:tableStyleId>{5C22544A-7EE6-4342-B048-85BDC9FD1C3A}</a:tableStyleId>
+                <a:tableStyleId>{F5AB1C69-6EDB-4FF4-983F-18BD219EF322}</a:tableStyleId>
               </a:tblPr>
               <a:tblGrid>
-                <a:gridCol w="1195896">
-                  <a:extLst>
-                    <a:ext uri="{9D8B030D-6E8A-4147-A177-3AD203B41FA5}">
-                      <a16:colId xmlns:a16="http://schemas.microsoft.com/office/drawing/2014/main" xmlns="" val="20000"/>
-                    </a:ext>
-                  </a:extLst>
-                </a:gridCol>
-                <a:gridCol w="1502093">
-                  <a:extLst>
-                    <a:ext uri="{9D8B030D-6E8A-4147-A177-3AD203B41FA5}">
-                      <a16:colId xmlns:a16="http://schemas.microsoft.com/office/drawing/2014/main" xmlns="" val="20001"/>
-                    </a:ext>
-                  </a:extLst>
-                </a:gridCol>
-                <a:gridCol w="1325880">
-                  <a:extLst>
-                    <a:ext uri="{9D8B030D-6E8A-4147-A177-3AD203B41FA5}">
-                      <a16:colId xmlns:a16="http://schemas.microsoft.com/office/drawing/2014/main" xmlns="" val="20002"/>
-                    </a:ext>
-                  </a:extLst>
-                </a:gridCol>
-                <a:gridCol w="1502093">
-                  <a:extLst>
-                    <a:ext uri="{9D8B030D-6E8A-4147-A177-3AD203B41FA5}">
-                      <a16:colId xmlns:a16="http://schemas.microsoft.com/office/drawing/2014/main" xmlns="" val="20003"/>
-                    </a:ext>
-                  </a:extLst>
-                </a:gridCol>
-                <a:gridCol w="1325880">
-                  <a:extLst>
-                    <a:ext uri="{9D8B030D-6E8A-4147-A177-3AD203B41FA5}">
-                      <a16:colId xmlns:a16="http://schemas.microsoft.com/office/drawing/2014/main" xmlns="" val="20004"/>
-                    </a:ext>
-                  </a:extLst>
-                </a:gridCol>
+                <a:gridCol w="1763601"/>
+                <a:gridCol w="1567698"/>
               </a:tblGrid>
-              <a:tr h="792088">
+              <a:tr h="370840">
                 <a:tc>
                   <a:txBody>
                     <a:bodyPr/>
                     <a:lstStyle/>
                     <a:p>
-                      <a:endParaRPr kumimoji="1" lang="ja-JP" altLang="en-US" sz="2400" dirty="0"/>
+                      <a:pPr algn="ctr"/>
+                      <a:r>
+                        <a:rPr kumimoji="1" lang="en-US" altLang="ja-JP" sz="2800" dirty="0" smtClean="0"/>
+                        <a:t>Random</a:t>
+                      </a:r>
+                      <a:endParaRPr kumimoji="1" lang="ja-JP" altLang="en-US" sz="2800" dirty="0"/>
                     </a:p>
                   </a:txBody>
                   <a:tcPr/>
@@ -26749,90 +26773,27 @@
                     <a:p>
                       <a:pPr algn="ctr"/>
                       <a:r>
-                        <a:rPr kumimoji="1" lang="en-US" altLang="ja-JP" sz="2400" dirty="0" smtClean="0"/>
-                        <a:t>Train</a:t>
+                        <a:rPr kumimoji="1" lang="en-US" altLang="ja-JP" sz="2800" dirty="0" smtClean="0"/>
+                        <a:t>English</a:t>
                       </a:r>
-                    </a:p>
-                    <a:p>
-                      <a:pPr algn="ctr"/>
-                      <a:r>
-                        <a:rPr kumimoji="1" lang="en-US" altLang="ja-JP" sz="2400" dirty="0" smtClean="0"/>
-                        <a:t>Random</a:t>
-                      </a:r>
-                      <a:endParaRPr kumimoji="1" lang="ja-JP" altLang="en-US" sz="2400" dirty="0"/>
+                      <a:endParaRPr kumimoji="1" lang="ja-JP" altLang="en-US" sz="2800" dirty="0"/>
                     </a:p>
                   </a:txBody>
                   <a:tcPr/>
                 </a:tc>
+              </a:tr>
+              <a:tr h="370840">
                 <a:tc>
                   <a:txBody>
                     <a:bodyPr/>
                     <a:lstStyle/>
                     <a:p>
-                      <a:pPr algn="ctr"/>
+                      <a:pPr algn="r"/>
                       <a:r>
-                        <a:rPr kumimoji="1" lang="en-US" altLang="ja-JP" sz="2400" dirty="0" smtClean="0"/>
-                        <a:t>Train </a:t>
+                        <a:rPr kumimoji="1" lang="en-US" altLang="ja-JP" sz="2800" dirty="0" smtClean="0"/>
+                        <a:t>20%</a:t>
                       </a:r>
-                    </a:p>
-                    <a:p>
-                      <a:pPr algn="ctr"/>
-                      <a:r>
-                        <a:rPr kumimoji="1" lang="en-US" altLang="ja-JP" sz="2400" dirty="0" smtClean="0"/>
-                        <a:t>English</a:t>
-                      </a:r>
-                      <a:endParaRPr kumimoji="1" lang="ja-JP" altLang="en-US" sz="2400" dirty="0"/>
-                    </a:p>
-                  </a:txBody>
-                  <a:tcPr/>
-                </a:tc>
-                <a:tc>
-                  <a:txBody>
-                    <a:bodyPr/>
-                    <a:lstStyle/>
-                    <a:p>
-                      <a:pPr algn="ctr"/>
-                      <a:r>
-                        <a:rPr kumimoji="1" lang="en-US" altLang="ja-JP" sz="2400" dirty="0" smtClean="0"/>
-                        <a:t>Random</a:t>
-                      </a:r>
-                      <a:endParaRPr kumimoji="1" lang="ja-JP" altLang="en-US" sz="2400" dirty="0"/>
-                    </a:p>
-                  </a:txBody>
-                  <a:tcPr anchor="ctr" anchorCtr="1"/>
-                </a:tc>
-                <a:tc>
-                  <a:txBody>
-                    <a:bodyPr/>
-                    <a:lstStyle/>
-                    <a:p>
-                      <a:pPr algn="ctr"/>
-                      <a:r>
-                        <a:rPr kumimoji="1" lang="en-US" altLang="ja-JP" sz="2400" dirty="0" smtClean="0"/>
-                        <a:t>English</a:t>
-                      </a:r>
-                      <a:endParaRPr kumimoji="1" lang="ja-JP" altLang="en-US" sz="2400" dirty="0"/>
-                    </a:p>
-                  </a:txBody>
-                  <a:tcPr anchor="ctr" anchorCtr="1"/>
-                </a:tc>
-                <a:extLst>
-                  <a:ext uri="{0D108BD9-81ED-4DB2-BD59-A6C34878D82A}">
-                    <a16:rowId xmlns:a16="http://schemas.microsoft.com/office/drawing/2014/main" xmlns="" val="10000"/>
-                  </a:ext>
-                </a:extLst>
-              </a:tr>
-              <a:tr h="473184">
-                <a:tc>
-                  <a:txBody>
-                    <a:bodyPr/>
-                    <a:lstStyle/>
-                    <a:p>
-                      <a:r>
-                        <a:rPr kumimoji="1" lang="en-US" altLang="ja-JP" sz="2400" dirty="0" err="1" smtClean="0"/>
-                        <a:t>cksum</a:t>
-                      </a:r>
-                      <a:endParaRPr kumimoji="1" lang="ja-JP" altLang="en-US" sz="2400" dirty="0"/>
+                      <a:endParaRPr kumimoji="1" lang="ja-JP" altLang="en-US" sz="2800" dirty="0"/>
                     </a:p>
                   </a:txBody>
                   <a:tcPr/>
@@ -26844,10 +26805,35 @@
                     <a:p>
                       <a:pPr algn="r"/>
                       <a:r>
-                        <a:rPr kumimoji="1" lang="en-US" altLang="ja-JP" sz="2400" dirty="0" smtClean="0"/>
-                        <a:t>52%</a:t>
+                        <a:rPr kumimoji="1" lang="en-US" altLang="ja-JP" sz="2800" dirty="0" smtClean="0">
+                          <a:solidFill>
+                            <a:schemeClr val="tx1"/>
+                          </a:solidFill>
+                        </a:rPr>
+                        <a:t>51%</a:t>
                       </a:r>
-                      <a:endParaRPr kumimoji="1" lang="ja-JP" altLang="en-US" sz="2400" dirty="0"/>
+                      <a:endParaRPr kumimoji="1" lang="ja-JP" altLang="en-US" sz="2800" dirty="0">
+                        <a:solidFill>
+                          <a:schemeClr val="tx1"/>
+                        </a:solidFill>
+                      </a:endParaRPr>
+                    </a:p>
+                  </a:txBody>
+                  <a:tcPr/>
+                </a:tc>
+              </a:tr>
+              <a:tr h="370840">
+                <a:tc>
+                  <a:txBody>
+                    <a:bodyPr/>
+                    <a:lstStyle/>
+                    <a:p>
+                      <a:pPr algn="r"/>
+                      <a:r>
+                        <a:rPr kumimoji="1" lang="en-US" altLang="ja-JP" sz="2800" dirty="0" smtClean="0"/>
+                        <a:t>9%</a:t>
+                      </a:r>
+                      <a:endParaRPr kumimoji="1" lang="ja-JP" altLang="en-US" sz="2800" dirty="0"/>
                     </a:p>
                   </a:txBody>
                   <a:tcPr/>
@@ -26859,10 +26845,35 @@
                     <a:p>
                       <a:pPr algn="r"/>
                       <a:r>
-                        <a:rPr kumimoji="1" lang="en-US" altLang="ja-JP" sz="2400" dirty="0" smtClean="0"/>
-                        <a:t>50%</a:t>
+                        <a:rPr kumimoji="1" lang="en-US" altLang="ja-JP" sz="2800" dirty="0" smtClean="0">
+                          <a:solidFill>
+                            <a:schemeClr val="tx1"/>
+                          </a:solidFill>
+                        </a:rPr>
+                        <a:t>9%</a:t>
                       </a:r>
-                      <a:endParaRPr kumimoji="1" lang="ja-JP" altLang="en-US" sz="2400" dirty="0"/>
+                      <a:endParaRPr kumimoji="1" lang="ja-JP" altLang="en-US" sz="2800" dirty="0">
+                        <a:solidFill>
+                          <a:schemeClr val="tx1"/>
+                        </a:solidFill>
+                      </a:endParaRPr>
+                    </a:p>
+                  </a:txBody>
+                  <a:tcPr/>
+                </a:tc>
+              </a:tr>
+              <a:tr h="370840">
+                <a:tc>
+                  <a:txBody>
+                    <a:bodyPr/>
+                    <a:lstStyle/>
+                    <a:p>
+                      <a:pPr algn="r"/>
+                      <a:r>
+                        <a:rPr kumimoji="1" lang="en-US" altLang="ja-JP" sz="2800" dirty="0" smtClean="0"/>
+                        <a:t>12%</a:t>
+                      </a:r>
+                      <a:endParaRPr kumimoji="1" lang="ja-JP" altLang="en-US" sz="2800" dirty="0"/>
                     </a:p>
                   </a:txBody>
                   <a:tcPr/>
@@ -26874,10 +26885,35 @@
                     <a:p>
                       <a:pPr algn="r"/>
                       <a:r>
-                        <a:rPr kumimoji="1" lang="en-US" altLang="ja-JP" sz="2400" dirty="0" smtClean="0"/>
-                        <a:t>20%</a:t>
+                        <a:rPr kumimoji="1" lang="en-US" altLang="ja-JP" sz="2800" dirty="0" smtClean="0">
+                          <a:solidFill>
+                            <a:schemeClr val="tx1"/>
+                          </a:solidFill>
+                        </a:rPr>
+                        <a:t>4%</a:t>
                       </a:r>
-                      <a:endParaRPr kumimoji="1" lang="ja-JP" altLang="en-US" sz="2400" dirty="0"/>
+                      <a:endParaRPr kumimoji="1" lang="ja-JP" altLang="en-US" sz="2800" dirty="0">
+                        <a:solidFill>
+                          <a:schemeClr val="tx1"/>
+                        </a:solidFill>
+                      </a:endParaRPr>
+                    </a:p>
+                  </a:txBody>
+                  <a:tcPr/>
+                </a:tc>
+              </a:tr>
+              <a:tr h="370840">
+                <a:tc>
+                  <a:txBody>
+                    <a:bodyPr/>
+                    <a:lstStyle/>
+                    <a:p>
+                      <a:pPr algn="r"/>
+                      <a:r>
+                        <a:rPr kumimoji="1" lang="en-US" altLang="ja-JP" sz="2800" dirty="0" smtClean="0"/>
+                        <a:t>12%</a:t>
+                      </a:r>
+                      <a:endParaRPr kumimoji="1" lang="ja-JP" altLang="en-US" sz="2800" dirty="0"/>
                     </a:p>
                   </a:txBody>
                   <a:tcPr/>
@@ -26889,10 +26925,14 @@
                     <a:p>
                       <a:pPr algn="r"/>
                       <a:r>
-                        <a:rPr kumimoji="1" lang="en-US" altLang="ja-JP" sz="2400" dirty="0" smtClean="0"/>
-                        <a:t>51%</a:t>
+                        <a:rPr kumimoji="1" lang="en-US" altLang="ja-JP" sz="2800" dirty="0" smtClean="0">
+                          <a:solidFill>
+                            <a:schemeClr val="tx1"/>
+                          </a:solidFill>
+                        </a:rPr>
+                        <a:t>2%</a:t>
                       </a:r>
-                      <a:endParaRPr kumimoji="1" lang="ja-JP" altLang="en-US" sz="2400" dirty="0">
+                      <a:endParaRPr kumimoji="1" lang="ja-JP" altLang="en-US" sz="2800" dirty="0">
                         <a:solidFill>
                           <a:schemeClr val="tx1"/>
                         </a:solidFill>
@@ -26901,23 +26941,19 @@
                   </a:txBody>
                   <a:tcPr/>
                 </a:tc>
-                <a:extLst>
-                  <a:ext uri="{0D108BD9-81ED-4DB2-BD59-A6C34878D82A}">
-                    <a16:rowId xmlns:a16="http://schemas.microsoft.com/office/drawing/2014/main" xmlns="" val="10001"/>
-                  </a:ext>
-                </a:extLst>
               </a:tr>
-              <a:tr h="504056">
+              <a:tr h="370840">
                 <a:tc>
                   <a:txBody>
                     <a:bodyPr/>
                     <a:lstStyle/>
                     <a:p>
+                      <a:pPr algn="r"/>
                       <a:r>
-                        <a:rPr kumimoji="1" lang="en-US" altLang="ja-JP" sz="2400" smtClean="0"/>
-                        <a:t>CRC16</a:t>
+                        <a:rPr kumimoji="1" lang="en-US" altLang="ja-JP" sz="2800" dirty="0" smtClean="0"/>
+                        <a:t>5%</a:t>
                       </a:r>
-                      <a:endParaRPr kumimoji="1" lang="ja-JP" altLang="en-US" sz="2400" dirty="0"/>
+                      <a:endParaRPr kumimoji="1" lang="ja-JP" altLang="en-US" sz="2800" dirty="0"/>
                     </a:p>
                   </a:txBody>
                   <a:tcPr/>
@@ -26929,55 +26965,14 @@
                     <a:p>
                       <a:pPr algn="r"/>
                       <a:r>
-                        <a:rPr kumimoji="1" lang="en-US" altLang="ja-JP" sz="2400" dirty="0" smtClean="0"/>
-                        <a:t>53%</a:t>
+                        <a:rPr kumimoji="1" lang="en-US" altLang="ja-JP" sz="2800" dirty="0" smtClean="0">
+                          <a:solidFill>
+                            <a:schemeClr val="tx1"/>
+                          </a:solidFill>
+                        </a:rPr>
+                        <a:t>11%</a:t>
                       </a:r>
-                      <a:endParaRPr kumimoji="1" lang="ja-JP" altLang="en-US" sz="2400" dirty="0"/>
-                    </a:p>
-                  </a:txBody>
-                  <a:tcPr/>
-                </a:tc>
-                <a:tc>
-                  <a:txBody>
-                    <a:bodyPr/>
-                    <a:lstStyle/>
-                    <a:p>
-                      <a:pPr algn="r"/>
-                      <a:r>
-                        <a:rPr kumimoji="1" lang="en-US" altLang="ja-JP" sz="2400" dirty="0" smtClean="0"/>
-                        <a:t>47%</a:t>
-                      </a:r>
-                      <a:endParaRPr kumimoji="1" lang="ja-JP" altLang="en-US" sz="2400" dirty="0"/>
-                    </a:p>
-                  </a:txBody>
-                  <a:tcPr/>
-                </a:tc>
-                <a:tc>
-                  <a:txBody>
-                    <a:bodyPr/>
-                    <a:lstStyle/>
-                    <a:p>
-                      <a:pPr algn="r"/>
-                      <a:r>
-                        <a:rPr kumimoji="1" lang="en-US" altLang="ja-JP" sz="2400" dirty="0" smtClean="0"/>
-                        <a:t>9%</a:t>
-                      </a:r>
-                      <a:endParaRPr kumimoji="1" lang="ja-JP" altLang="en-US" sz="2400" dirty="0"/>
-                    </a:p>
-                  </a:txBody>
-                  <a:tcPr/>
-                </a:tc>
-                <a:tc>
-                  <a:txBody>
-                    <a:bodyPr/>
-                    <a:lstStyle/>
-                    <a:p>
-                      <a:pPr algn="r"/>
-                      <a:r>
-                        <a:rPr kumimoji="1" lang="en-US" altLang="ja-JP" sz="2400" dirty="0" smtClean="0"/>
-                        <a:t>9%</a:t>
-                      </a:r>
-                      <a:endParaRPr kumimoji="1" lang="ja-JP" altLang="en-US" sz="2400" dirty="0">
+                      <a:endParaRPr kumimoji="1" lang="ja-JP" altLang="en-US" sz="2800" dirty="0">
                         <a:solidFill>
                           <a:schemeClr val="tx1"/>
                         </a:solidFill>
@@ -26986,266 +26981,102 @@
                   </a:txBody>
                   <a:tcPr/>
                 </a:tc>
-                <a:extLst>
-                  <a:ext uri="{0D108BD9-81ED-4DB2-BD59-A6C34878D82A}">
-                    <a16:rowId xmlns:a16="http://schemas.microsoft.com/office/drawing/2014/main" xmlns="" val="10002"/>
-                  </a:ext>
-                </a:extLst>
               </a:tr>
-              <a:tr h="504056">
+            </a:tbl>
+          </a:graphicData>
+        </a:graphic>
+      </p:graphicFrame>
+      <p:graphicFrame>
+        <p:nvGraphicFramePr>
+          <p:cNvPr id="14" name="表 13"/>
+          <p:cNvGraphicFramePr>
+            <a:graphicFrameLocks noGrp="1"/>
+          </p:cNvGraphicFramePr>
+          <p:nvPr>
+            <p:extLst>
+              <p:ext uri="{D42A27DB-BD31-4B8C-83A1-F6EECF244321}">
+                <p14:modId xmlns:p14="http://schemas.microsoft.com/office/powerpoint/2010/main" val="1552870399"/>
+              </p:ext>
+            </p:extLst>
+          </p:nvPr>
+        </p:nvGraphicFramePr>
+        <p:xfrm>
+          <a:off x="1907703" y="2173248"/>
+          <a:ext cx="3220235" cy="518160"/>
+        </p:xfrm>
+        <a:graphic>
+          <a:graphicData uri="http://schemas.openxmlformats.org/drawingml/2006/table">
+            <a:tbl>
+              <a:tblPr firstRow="1" bandRow="1">
+                <a:tableStyleId>{5C22544A-7EE6-4342-B048-85BDC9FD1C3A}</a:tableStyleId>
+              </a:tblPr>
+              <a:tblGrid>
+                <a:gridCol w="3220235"/>
+              </a:tblGrid>
+              <a:tr h="370840">
                 <a:tc>
                   <a:txBody>
                     <a:bodyPr/>
                     <a:lstStyle/>
                     <a:p>
+                      <a:pPr algn="ctr"/>
                       <a:r>
-                        <a:rPr kumimoji="1" lang="en-US" altLang="ja-JP" sz="2400" smtClean="0"/>
-                        <a:t>CRC32</a:t>
+                        <a:rPr kumimoji="1" lang="en-US" altLang="ja-JP" sz="2800" dirty="0" smtClean="0"/>
+                        <a:t>Training Accuracy</a:t>
                       </a:r>
-                      <a:endParaRPr kumimoji="1" lang="ja-JP" altLang="en-US" sz="2400" dirty="0"/>
+                      <a:endParaRPr kumimoji="1" lang="ja-JP" altLang="en-US" sz="2800" dirty="0"/>
                     </a:p>
                   </a:txBody>
                   <a:tcPr/>
                 </a:tc>
+              </a:tr>
+            </a:tbl>
+          </a:graphicData>
+        </a:graphic>
+      </p:graphicFrame>
+      <p:graphicFrame>
+        <p:nvGraphicFramePr>
+          <p:cNvPr id="15" name="表 14"/>
+          <p:cNvGraphicFramePr>
+            <a:graphicFrameLocks noGrp="1"/>
+          </p:cNvGraphicFramePr>
+          <p:nvPr>
+            <p:extLst>
+              <p:ext uri="{D42A27DB-BD31-4B8C-83A1-F6EECF244321}">
+                <p14:modId xmlns:p14="http://schemas.microsoft.com/office/powerpoint/2010/main" val="724034002"/>
+              </p:ext>
+            </p:extLst>
+          </p:nvPr>
+        </p:nvGraphicFramePr>
+        <p:xfrm>
+          <a:off x="5128117" y="2173248"/>
+          <a:ext cx="3331299" cy="518160"/>
+        </p:xfrm>
+        <a:graphic>
+          <a:graphicData uri="http://schemas.openxmlformats.org/drawingml/2006/table">
+            <a:tbl>
+              <a:tblPr firstRow="1" bandRow="1">
+                <a:tableStyleId>{F5AB1C69-6EDB-4FF4-983F-18BD219EF322}</a:tableStyleId>
+              </a:tblPr>
+              <a:tblGrid>
+                <a:gridCol w="3331299"/>
+              </a:tblGrid>
+              <a:tr h="370840">
                 <a:tc>
                   <a:txBody>
                     <a:bodyPr/>
                     <a:lstStyle/>
                     <a:p>
-                      <a:pPr algn="r"/>
+                      <a:pPr algn="ctr"/>
                       <a:r>
-                        <a:rPr kumimoji="1" lang="en-US" altLang="ja-JP" sz="2400" dirty="0" smtClean="0"/>
-                        <a:t>54%</a:t>
+                        <a:rPr kumimoji="1" lang="en-US" altLang="ja-JP" sz="2800" dirty="0" smtClean="0"/>
+                        <a:t>Trained Accuracy</a:t>
                       </a:r>
-                      <a:endParaRPr kumimoji="1" lang="ja-JP" altLang="en-US" sz="2400" dirty="0"/>
+                      <a:endParaRPr kumimoji="1" lang="ja-JP" altLang="en-US" sz="2800" dirty="0"/>
                     </a:p>
                   </a:txBody>
                   <a:tcPr/>
                 </a:tc>
-                <a:tc>
-                  <a:txBody>
-                    <a:bodyPr/>
-                    <a:lstStyle/>
-                    <a:p>
-                      <a:pPr algn="r"/>
-                      <a:r>
-                        <a:rPr kumimoji="1" lang="en-US" altLang="ja-JP" sz="2400" dirty="0" smtClean="0"/>
-                        <a:t>50%</a:t>
-                      </a:r>
-                      <a:endParaRPr kumimoji="1" lang="ja-JP" altLang="en-US" sz="2400" dirty="0"/>
-                    </a:p>
-                  </a:txBody>
-                  <a:tcPr/>
-                </a:tc>
-                <a:tc>
-                  <a:txBody>
-                    <a:bodyPr/>
-                    <a:lstStyle/>
-                    <a:p>
-                      <a:pPr algn="r"/>
-                      <a:r>
-                        <a:rPr kumimoji="1" lang="en-US" altLang="ja-JP" sz="2400" dirty="0" smtClean="0"/>
-                        <a:t>12%</a:t>
-                      </a:r>
-                      <a:endParaRPr kumimoji="1" lang="ja-JP" altLang="en-US" sz="2400" dirty="0"/>
-                    </a:p>
-                  </a:txBody>
-                  <a:tcPr/>
-                </a:tc>
-                <a:tc>
-                  <a:txBody>
-                    <a:bodyPr/>
-                    <a:lstStyle/>
-                    <a:p>
-                      <a:pPr algn="r"/>
-                      <a:r>
-                        <a:rPr kumimoji="1" lang="en-US" altLang="ja-JP" sz="2400" dirty="0" smtClean="0"/>
-                        <a:t>4%</a:t>
-                      </a:r>
-                      <a:endParaRPr kumimoji="1" lang="ja-JP" altLang="en-US" sz="2400" dirty="0">
-                        <a:solidFill>
-                          <a:schemeClr val="tx1"/>
-                        </a:solidFill>
-                      </a:endParaRPr>
-                    </a:p>
-                  </a:txBody>
-                  <a:tcPr/>
-                </a:tc>
-                <a:extLst>
-                  <a:ext uri="{0D108BD9-81ED-4DB2-BD59-A6C34878D82A}">
-                    <a16:rowId xmlns:a16="http://schemas.microsoft.com/office/drawing/2014/main" xmlns="" val="10003"/>
-                  </a:ext>
-                </a:extLst>
-              </a:tr>
-              <a:tr h="432048">
-                <a:tc>
-                  <a:txBody>
-                    <a:bodyPr/>
-                    <a:lstStyle/>
-                    <a:p>
-                      <a:r>
-                        <a:rPr kumimoji="1" lang="en-US" altLang="ja-JP" sz="2400" dirty="0" smtClean="0"/>
-                        <a:t>MD5</a:t>
-                      </a:r>
-                      <a:endParaRPr kumimoji="1" lang="ja-JP" altLang="en-US" sz="2400" dirty="0"/>
-                    </a:p>
-                  </a:txBody>
-                  <a:tcPr/>
-                </a:tc>
-                <a:tc>
-                  <a:txBody>
-                    <a:bodyPr/>
-                    <a:lstStyle/>
-                    <a:p>
-                      <a:pPr algn="r"/>
-                      <a:r>
-                        <a:rPr kumimoji="1" lang="en-US" altLang="ja-JP" sz="2400" dirty="0" smtClean="0"/>
-                        <a:t>11%</a:t>
-                      </a:r>
-                      <a:endParaRPr kumimoji="1" lang="ja-JP" altLang="en-US" sz="2400" dirty="0"/>
-                    </a:p>
-                  </a:txBody>
-                  <a:tcPr/>
-                </a:tc>
-                <a:tc>
-                  <a:txBody>
-                    <a:bodyPr/>
-                    <a:lstStyle/>
-                    <a:p>
-                      <a:pPr algn="r"/>
-                      <a:r>
-                        <a:rPr kumimoji="1" lang="en-US" altLang="ja-JP" sz="2400" dirty="0" smtClean="0"/>
-                        <a:t>11%</a:t>
-                      </a:r>
-                      <a:endParaRPr kumimoji="1" lang="ja-JP" altLang="en-US" sz="2400" dirty="0"/>
-                    </a:p>
-                  </a:txBody>
-                  <a:tcPr/>
-                </a:tc>
-                <a:tc>
-                  <a:txBody>
-                    <a:bodyPr/>
-                    <a:lstStyle/>
-                    <a:p>
-                      <a:pPr algn="r"/>
-                      <a:r>
-                        <a:rPr kumimoji="1" lang="en-US" altLang="ja-JP" sz="2400" dirty="0" smtClean="0"/>
-                        <a:t>12%</a:t>
-                      </a:r>
-                      <a:endParaRPr kumimoji="1" lang="ja-JP" altLang="en-US" sz="2400" dirty="0"/>
-                    </a:p>
-                  </a:txBody>
-                  <a:tcPr/>
-                </a:tc>
-                <a:tc>
-                  <a:txBody>
-                    <a:bodyPr/>
-                    <a:lstStyle/>
-                    <a:p>
-                      <a:pPr algn="r"/>
-                      <a:r>
-                        <a:rPr kumimoji="1" lang="en-US" altLang="ja-JP" sz="2400" dirty="0" smtClean="0"/>
-                        <a:t>2%</a:t>
-                      </a:r>
-                      <a:endParaRPr kumimoji="1" lang="ja-JP" altLang="en-US" sz="2400" dirty="0">
-                        <a:solidFill>
-                          <a:schemeClr val="tx1"/>
-                        </a:solidFill>
-                      </a:endParaRPr>
-                    </a:p>
-                  </a:txBody>
-                  <a:tcPr/>
-                </a:tc>
-                <a:extLst>
-                  <a:ext uri="{0D108BD9-81ED-4DB2-BD59-A6C34878D82A}">
-                    <a16:rowId xmlns:a16="http://schemas.microsoft.com/office/drawing/2014/main" xmlns="" val="10004"/>
-                  </a:ext>
-                </a:extLst>
-              </a:tr>
-              <a:tr h="406896">
-                <a:tc>
-                  <a:txBody>
-                    <a:bodyPr/>
-                    <a:lstStyle/>
-                    <a:p>
-                      <a:r>
-                        <a:rPr kumimoji="1" lang="en-US" altLang="ja-JP" sz="2400" dirty="0" smtClean="0"/>
-                        <a:t>SHA1</a:t>
-                      </a:r>
-                      <a:endParaRPr kumimoji="1" lang="ja-JP" altLang="en-US" sz="2400" dirty="0"/>
-                    </a:p>
-                  </a:txBody>
-                  <a:tcPr/>
-                </a:tc>
-                <a:tc>
-                  <a:txBody>
-                    <a:bodyPr/>
-                    <a:lstStyle/>
-                    <a:p>
-                      <a:pPr algn="r"/>
-                      <a:r>
-                        <a:rPr kumimoji="1" lang="en-US" altLang="ja-JP" sz="2400" dirty="0" smtClean="0"/>
-                        <a:t>14%</a:t>
-                      </a:r>
-                      <a:endParaRPr kumimoji="1" lang="ja-JP" altLang="en-US" sz="2400" dirty="0"/>
-                    </a:p>
-                  </a:txBody>
-                  <a:tcPr/>
-                </a:tc>
-                <a:tc>
-                  <a:txBody>
-                    <a:bodyPr/>
-                    <a:lstStyle/>
-                    <a:p>
-                      <a:pPr algn="r"/>
-                      <a:r>
-                        <a:rPr kumimoji="1" lang="en-US" altLang="ja-JP" sz="2400" dirty="0" smtClean="0"/>
-                        <a:t>19%</a:t>
-                      </a:r>
-                      <a:endParaRPr kumimoji="1" lang="ja-JP" altLang="en-US" sz="2400" dirty="0"/>
-                    </a:p>
-                  </a:txBody>
-                  <a:tcPr/>
-                </a:tc>
-                <a:tc>
-                  <a:txBody>
-                    <a:bodyPr/>
-                    <a:lstStyle/>
-                    <a:p>
-                      <a:pPr algn="r"/>
-                      <a:r>
-                        <a:rPr kumimoji="1" lang="en-US" altLang="ja-JP" sz="2400" dirty="0" smtClean="0"/>
-                        <a:t>5%</a:t>
-                      </a:r>
-                      <a:endParaRPr kumimoji="1" lang="ja-JP" altLang="en-US" sz="2400" dirty="0"/>
-                    </a:p>
-                  </a:txBody>
-                  <a:tcPr/>
-                </a:tc>
-                <a:tc>
-                  <a:txBody>
-                    <a:bodyPr/>
-                    <a:lstStyle/>
-                    <a:p>
-                      <a:pPr algn="r"/>
-                      <a:r>
-                        <a:rPr kumimoji="1" lang="en-US" altLang="ja-JP" sz="2400" dirty="0" smtClean="0"/>
-                        <a:t>11%</a:t>
-                      </a:r>
-                      <a:endParaRPr kumimoji="1" lang="ja-JP" altLang="en-US" sz="2400" dirty="0">
-                        <a:solidFill>
-                          <a:schemeClr val="tx1"/>
-                        </a:solidFill>
-                      </a:endParaRPr>
-                    </a:p>
-                  </a:txBody>
-                  <a:tcPr/>
-                </a:tc>
-                <a:extLst>
-                  <a:ext uri="{0D108BD9-81ED-4DB2-BD59-A6C34878D82A}">
-                    <a16:rowId xmlns:a16="http://schemas.microsoft.com/office/drawing/2014/main" xmlns="" val="10005"/>
-                  </a:ext>
-                </a:extLst>
               </a:tr>
             </a:tbl>
           </a:graphicData>
@@ -27254,18 +27085,18 @@
     </p:spTree>
     <p:extLst>
       <p:ext uri="{BB962C8B-B14F-4D97-AF65-F5344CB8AC3E}">
-        <p14:creationId xmlns:p14="http://schemas.microsoft.com/office/powerpoint/2010/main" val="1429426579"/>
+        <p14:creationId xmlns:p14="http://schemas.microsoft.com/office/powerpoint/2010/main" val="173964019"/>
       </p:ext>
     </p:extLst>
   </p:cSld>
   <p:clrMapOvr>
     <a:masterClrMapping/>
   </p:clrMapOvr>
-  <mc:AlternateContent xmlns:mc="http://schemas.openxmlformats.org/markup-compatibility/2006" xmlns:p14="http://schemas.microsoft.com/office/powerpoint/2010/main">
-    <mc:Choice Requires="p14">
+  <mc:AlternateContent xmlns:mc="http://schemas.openxmlformats.org/markup-compatibility/2006">
+    <mc:Choice xmlns:p14="http://schemas.microsoft.com/office/powerpoint/2010/main" Requires="p14">
       <p:transition spd="slow" p14:dur="2000" advTm="70101"/>
     </mc:Choice>
-    <mc:Fallback xmlns="">
+    <mc:Fallback>
       <p:transition spd="slow" advTm="70101"/>
     </mc:Fallback>
   </mc:AlternateContent>

--- a/soturon-02-20.pptx
+++ b/soturon-02-20.pptx
@@ -2806,7 +2806,19 @@
               <a:rPr lang="ja-JP" altLang="en-US" dirty="0" smtClean="0">
                 <a:latin typeface="Arial" panose="020B0604020202020204" pitchFamily="34" charset="0"/>
               </a:rPr>
-              <a:t>しかし、変異ベースは既存データの一部書き換えで入力データを生成するので、入力ソフトウェアやシステムが、チェックサムやハッシュ値の検査機能を備えている場合、データの整合性が取れず、入力データ棄却率が高いという課題があります。</a:t>
+              <a:t>しかし、変異ベースは既存データの一部書き換えで入力データを生成するので</a:t>
+            </a:r>
+            <a:r>
+              <a:rPr lang="ja-JP" altLang="en-US" dirty="0" smtClean="0">
+                <a:latin typeface="Arial" panose="020B0604020202020204" pitchFamily="34" charset="0"/>
+              </a:rPr>
+              <a:t>、変異させた箇所にチェックさむなどのデータ検査機能が存在すると、棄却されると</a:t>
+            </a:r>
+            <a:r>
+              <a:rPr lang="ja-JP" altLang="en-US" dirty="0" smtClean="0">
+                <a:latin typeface="Arial" panose="020B0604020202020204" pitchFamily="34" charset="0"/>
+              </a:rPr>
+              <a:t>いう課題があります。</a:t>
             </a:r>
             <a:endParaRPr lang="en-US" altLang="ja-JP" dirty="0" smtClean="0">
               <a:latin typeface="Arial" panose="020B0604020202020204" pitchFamily="34" charset="0"/>
@@ -4288,7 +4300,11 @@
           <a:p>
             <a:r>
               <a:rPr kumimoji="1" lang="en-US" altLang="ja-JP" dirty="0" smtClean="0"/>
-              <a:t>Train random</a:t>
+              <a:t>Train </a:t>
+            </a:r>
+            <a:r>
+              <a:rPr kumimoji="1" lang="en-US" altLang="ja-JP" dirty="0" smtClean="0"/>
+              <a:t>random</a:t>
             </a:r>
             <a:r>
               <a:rPr kumimoji="1" lang="ja-JP" altLang="en-US" dirty="0" smtClean="0"/>
@@ -4328,230 +4344,73 @@
             </a:r>
             <a:r>
               <a:rPr kumimoji="1" lang="ja-JP" altLang="en-US" dirty="0" smtClean="0"/>
-              <a:t>を使って得られた正答率となります。</a:t>
+              <a:t>を使って得られた正答率となります</a:t>
+            </a:r>
+            <a:r>
+              <a:rPr kumimoji="1" lang="ja-JP" altLang="en-US" dirty="0" smtClean="0"/>
+              <a:t>。</a:t>
             </a:r>
             <a:endParaRPr kumimoji="1" lang="en-US" altLang="ja-JP" dirty="0" smtClean="0"/>
           </a:p>
           <a:p>
-            <a:pPr marL="0" marR="0" indent="0" algn="l" defTabSz="914400" rtl="0" eaLnBrk="1" fontAlgn="auto" latinLnBrk="0" hangingPunct="1">
-              <a:lnSpc>
-                <a:spcPct val="100000"/>
-              </a:lnSpc>
-              <a:spcBef>
-                <a:spcPts val="0"/>
-              </a:spcBef>
-              <a:spcAft>
-                <a:spcPts val="0"/>
-              </a:spcAft>
-              <a:buClrTx/>
-              <a:buSzTx/>
-              <a:buFontTx/>
-              <a:buNone/>
-              <a:tabLst/>
-              <a:defRPr/>
-            </a:pPr>
-            <a:r>
-              <a:rPr kumimoji="1" lang="ja-JP" altLang="en-US" sz="1200" kern="1200" dirty="0" smtClean="0">
-                <a:solidFill>
-                  <a:schemeClr val="tx1"/>
-                </a:solidFill>
-                <a:effectLst/>
-                <a:latin typeface="+mn-lt"/>
-                <a:ea typeface="+mn-ea"/>
-                <a:cs typeface="+mn-cs"/>
-              </a:rPr>
-              <a:t>学習時に得られた正答率と学習済ニューラルネット ワークを使用して得られた正答率を比較すると</a:t>
-            </a:r>
-            <a:r>
-              <a:rPr kumimoji="1" lang="en-US" altLang="ja-JP" sz="1200" kern="1200" dirty="0" smtClean="0">
-                <a:solidFill>
-                  <a:schemeClr val="tx1"/>
-                </a:solidFill>
-                <a:effectLst/>
-                <a:latin typeface="+mn-lt"/>
-                <a:ea typeface="+mn-ea"/>
-                <a:cs typeface="+mn-cs"/>
-              </a:rPr>
-              <a:t>, </a:t>
-            </a:r>
-            <a:r>
-              <a:rPr kumimoji="1" lang="ja-JP" altLang="en-US" sz="1200" kern="1200" dirty="0" smtClean="0">
-                <a:solidFill>
-                  <a:schemeClr val="tx1"/>
-                </a:solidFill>
-                <a:effectLst/>
-                <a:latin typeface="+mn-lt"/>
-                <a:ea typeface="+mn-ea"/>
-                <a:cs typeface="+mn-cs"/>
-              </a:rPr>
-              <a:t>必すし も正答率か一致しないことかわかりました</a:t>
-            </a:r>
-            <a:endParaRPr kumimoji="1" lang="en-US" altLang="ja-JP" sz="1200" kern="1200" dirty="0" smtClean="0">
-              <a:solidFill>
-                <a:schemeClr val="tx1"/>
-              </a:solidFill>
-              <a:effectLst/>
-              <a:latin typeface="+mn-lt"/>
-              <a:ea typeface="+mn-ea"/>
-              <a:cs typeface="+mn-cs"/>
-            </a:endParaRPr>
-          </a:p>
-          <a:p>
-            <a:pPr marL="0" marR="0" indent="0" algn="l" defTabSz="914400" rtl="0" eaLnBrk="1" fontAlgn="auto" latinLnBrk="0" hangingPunct="1">
-              <a:lnSpc>
-                <a:spcPct val="100000"/>
-              </a:lnSpc>
-              <a:spcBef>
-                <a:spcPts val="0"/>
-              </a:spcBef>
-              <a:spcAft>
-                <a:spcPts val="0"/>
-              </a:spcAft>
-              <a:buClrTx/>
-              <a:buSzTx/>
-              <a:buFontTx/>
-              <a:buNone/>
-              <a:tabLst/>
-              <a:defRPr/>
-            </a:pPr>
-            <a:r>
-              <a:rPr kumimoji="1" lang="en-US" altLang="ja-JP" sz="1200" kern="1200" dirty="0" smtClean="0">
-                <a:solidFill>
-                  <a:schemeClr val="tx1"/>
-                </a:solidFill>
-                <a:effectLst/>
-                <a:latin typeface="+mn-lt"/>
-                <a:ea typeface="+mn-ea"/>
-                <a:cs typeface="+mn-cs"/>
-              </a:rPr>
-              <a:t> </a:t>
-            </a:r>
-            <a:r>
-              <a:rPr kumimoji="1" lang="ja-JP" altLang="en-US" sz="1200" kern="1200" dirty="0" smtClean="0">
-                <a:solidFill>
-                  <a:schemeClr val="tx1"/>
-                </a:solidFill>
-                <a:effectLst/>
-                <a:latin typeface="+mn-lt"/>
-                <a:ea typeface="+mn-ea"/>
-                <a:cs typeface="+mn-cs"/>
-              </a:rPr>
-              <a:t>特に</a:t>
-            </a:r>
-            <a:r>
-              <a:rPr kumimoji="1" lang="en-US" altLang="ja-JP" sz="1200" kern="1200" dirty="0" smtClean="0">
-                <a:solidFill>
-                  <a:schemeClr val="tx1"/>
-                </a:solidFill>
-                <a:effectLst/>
-                <a:latin typeface="+mn-lt"/>
-                <a:ea typeface="+mn-ea"/>
-                <a:cs typeface="+mn-cs"/>
-              </a:rPr>
-              <a:t>, </a:t>
-            </a:r>
-            <a:r>
-              <a:rPr kumimoji="1" lang="ja-JP" altLang="en-US" sz="1200" kern="1200" dirty="0" smtClean="0">
-                <a:solidFill>
-                  <a:schemeClr val="tx1"/>
-                </a:solidFill>
-                <a:effectLst/>
-                <a:latin typeface="+mn-lt"/>
-                <a:ea typeface="+mn-ea"/>
-                <a:cs typeface="+mn-cs"/>
-              </a:rPr>
-              <a:t>チェック サムまたはハッシュ値によって</a:t>
-            </a:r>
-            <a:r>
-              <a:rPr kumimoji="1" lang="en-US" altLang="ja-JP" sz="1200" kern="1200" dirty="0" smtClean="0">
-                <a:solidFill>
-                  <a:schemeClr val="tx1"/>
-                </a:solidFill>
-                <a:effectLst/>
-                <a:latin typeface="+mn-lt"/>
-                <a:ea typeface="+mn-ea"/>
-                <a:cs typeface="+mn-cs"/>
-              </a:rPr>
-              <a:t>, </a:t>
-            </a:r>
-            <a:r>
-              <a:rPr kumimoji="1" lang="ja-JP" altLang="en-US" sz="1200" kern="1200" dirty="0" smtClean="0">
-                <a:solidFill>
-                  <a:schemeClr val="tx1"/>
-                </a:solidFill>
-                <a:effectLst/>
-                <a:latin typeface="+mn-lt"/>
-                <a:ea typeface="+mn-ea"/>
-                <a:cs typeface="+mn-cs"/>
-              </a:rPr>
-              <a:t>ランタム文字列の方か正答率が高かったり</a:t>
-            </a:r>
-            <a:r>
-              <a:rPr kumimoji="1" lang="en-US" altLang="ja-JP" sz="1200" kern="1200" dirty="0" smtClean="0">
-                <a:solidFill>
-                  <a:schemeClr val="tx1"/>
-                </a:solidFill>
-                <a:effectLst/>
-                <a:latin typeface="+mn-lt"/>
-                <a:ea typeface="+mn-ea"/>
-                <a:cs typeface="+mn-cs"/>
-              </a:rPr>
-              <a:t>, </a:t>
-            </a:r>
-            <a:r>
-              <a:rPr kumimoji="1" lang="ja-JP" altLang="en-US" sz="1200" kern="1200" dirty="0" smtClean="0">
-                <a:solidFill>
-                  <a:schemeClr val="tx1"/>
-                </a:solidFill>
-                <a:effectLst/>
-                <a:latin typeface="+mn-lt"/>
-                <a:ea typeface="+mn-ea"/>
-                <a:cs typeface="+mn-cs"/>
-              </a:rPr>
-              <a:t>英文の方が正答率が高かったりな ど</a:t>
-            </a:r>
-            <a:r>
-              <a:rPr kumimoji="1" lang="en-US" altLang="ja-JP" sz="1200" kern="1200" dirty="0" smtClean="0">
-                <a:solidFill>
-                  <a:schemeClr val="tx1"/>
-                </a:solidFill>
-                <a:effectLst/>
-                <a:latin typeface="+mn-lt"/>
-                <a:ea typeface="+mn-ea"/>
-                <a:cs typeface="+mn-cs"/>
-              </a:rPr>
-              <a:t>, </a:t>
-            </a:r>
-            <a:r>
-              <a:rPr kumimoji="1" lang="ja-JP" altLang="en-US" sz="1200" kern="1200" dirty="0" smtClean="0">
-                <a:solidFill>
-                  <a:schemeClr val="tx1"/>
-                </a:solidFill>
-                <a:effectLst/>
-                <a:latin typeface="+mn-lt"/>
-                <a:ea typeface="+mn-ea"/>
-                <a:cs typeface="+mn-cs"/>
-              </a:rPr>
-              <a:t>ばらつきが見られた</a:t>
-            </a:r>
-            <a:r>
-              <a:rPr kumimoji="1" lang="en-US" altLang="ja-JP" sz="1200" kern="1200" dirty="0" smtClean="0">
-                <a:solidFill>
-                  <a:schemeClr val="tx1"/>
-                </a:solidFill>
-                <a:effectLst/>
-                <a:latin typeface="+mn-lt"/>
-                <a:ea typeface="+mn-ea"/>
-                <a:cs typeface="+mn-cs"/>
-              </a:rPr>
-              <a:t>. </a:t>
+            <a:r>
+              <a:rPr kumimoji="1" lang="ja-JP" altLang="en-US" dirty="0" smtClean="0"/>
+              <a:t>チェックさむはランダムが</a:t>
+            </a:r>
+            <a:r>
+              <a:rPr kumimoji="1" lang="en-US" altLang="ja-JP" dirty="0" smtClean="0"/>
+              <a:t>20</a:t>
+            </a:r>
+            <a:r>
+              <a:rPr kumimoji="1" lang="ja-JP" altLang="en-US" dirty="0" smtClean="0"/>
+              <a:t>で英文が</a:t>
+            </a:r>
+            <a:r>
+              <a:rPr kumimoji="1" lang="en-US" altLang="ja-JP" dirty="0" smtClean="0"/>
+              <a:t>51</a:t>
+            </a:r>
+            <a:r>
+              <a:rPr kumimoji="1" lang="ja-JP" altLang="en-US" dirty="0" smtClean="0"/>
+              <a:t>で　</a:t>
+            </a:r>
+            <a:r>
+              <a:rPr kumimoji="1" lang="en-US" altLang="ja-JP" dirty="0" smtClean="0"/>
+              <a:t>〜</a:t>
+            </a:r>
+            <a:r>
+              <a:rPr kumimoji="1" lang="ja-JP" altLang="en-US" dirty="0" smtClean="0"/>
+              <a:t>　</a:t>
+            </a:r>
+            <a:r>
+              <a:rPr kumimoji="1" lang="en-US" altLang="ja-JP" dirty="0" smtClean="0"/>
+              <a:t>SHA1</a:t>
+            </a:r>
+            <a:r>
+              <a:rPr kumimoji="1" lang="ja-JP" altLang="en-US" dirty="0" smtClean="0"/>
+              <a:t>はランダムが</a:t>
+            </a:r>
+            <a:r>
+              <a:rPr kumimoji="1" lang="en-US" altLang="ja-JP" dirty="0" smtClean="0"/>
+              <a:t>5</a:t>
+            </a:r>
+            <a:r>
+              <a:rPr kumimoji="1" lang="ja-JP" altLang="en-US" dirty="0" smtClean="0"/>
+              <a:t>で英文が</a:t>
+            </a:r>
+            <a:r>
+              <a:rPr kumimoji="1" lang="en-US" altLang="ja-JP" dirty="0" smtClean="0"/>
+              <a:t>11</a:t>
+            </a:r>
+            <a:r>
+              <a:rPr kumimoji="1" lang="ja-JP" altLang="en-US" dirty="0" smtClean="0"/>
+              <a:t>となりました</a:t>
             </a:r>
             <a:endParaRPr kumimoji="1" lang="en-US" altLang="ja-JP" dirty="0" smtClean="0"/>
           </a:p>
           <a:p>
             <a:r>
               <a:rPr kumimoji="1" lang="ja-JP" altLang="en-US" dirty="0" smtClean="0"/>
-              <a:t>しかし、実際にランダムで当てれる確率で考えると、非常に高い精度が得られたのがわかりました。</a:t>
+              <a:t>これらの結果より、入力データの棄却率が大幅に減少することが見込まれます</a:t>
             </a:r>
             <a:endParaRPr kumimoji="1" lang="en-US" altLang="ja-JP" dirty="0" smtClean="0"/>
           </a:p>
@@ -8670,7 +8529,7 @@
                 <a:ea typeface="メイリオ" panose="020B0604030504040204" pitchFamily="50" charset="-128"/>
                 <a:cs typeface="メイリオ" panose="020B0604030504040204" pitchFamily="50" charset="-128"/>
               </a:rPr>
-              <a:t>ファジングツール組み込み</a:t>
+              <a:t>ファジングツール組み込み評価</a:t>
             </a:r>
             <a:endParaRPr lang="en-US" altLang="ja-JP" sz="2800" dirty="0">
               <a:solidFill>
@@ -17984,7 +17843,7 @@
         </p:nvSpPr>
         <p:spPr>
           <a:xfrm>
-            <a:off x="350311" y="1344940"/>
+            <a:off x="386001" y="1484784"/>
             <a:ext cx="8829675" cy="4207803"/>
           </a:xfrm>
           <a:prstGeom prst="rect">
@@ -18492,7 +18351,7 @@
         </p:nvSpPr>
         <p:spPr>
           <a:xfrm>
-            <a:off x="1151526" y="4815578"/>
+            <a:off x="1619672" y="4653136"/>
             <a:ext cx="5787931" cy="584775"/>
           </a:xfrm>
           <a:prstGeom prst="rect">
@@ -19627,9 +19486,9 @@
         <p:grpSpPr>
           <a:xfrm>
             <a:off x="356089" y="2307078"/>
-            <a:ext cx="8749511" cy="1104921"/>
+            <a:ext cx="8172430" cy="1104921"/>
             <a:chOff x="254849" y="2451911"/>
-            <a:chExt cx="8749511" cy="1104921"/>
+            <a:chExt cx="8172430" cy="1104921"/>
           </a:xfrm>
         </p:grpSpPr>
         <p:sp>
@@ -19641,7 +19500,7 @@
           <p:spPr>
             <a:xfrm>
               <a:off x="254849" y="2451911"/>
-              <a:ext cx="8749511" cy="400110"/>
+              <a:ext cx="8172430" cy="400110"/>
             </a:xfrm>
             <a:prstGeom prst="rect">
               <a:avLst/>
@@ -19699,7 +19558,63 @@
                   <a:ea typeface="Meiryo" charset="-128"/>
                   <a:cs typeface="Meiryo" charset="-128"/>
                 </a:rPr>
-                <a:t>28 + 88 + 129 + </a:t>
+                <a:t>84</a:t>
+              </a:r>
+              <a:r>
+                <a:rPr kumimoji="1" lang="en-US" altLang="ja-JP" sz="2000" dirty="0" smtClean="0">
+                  <a:latin typeface="Meiryo" charset="-128"/>
+                  <a:ea typeface="Meiryo" charset="-128"/>
+                  <a:cs typeface="Meiryo" charset="-128"/>
+                </a:rPr>
+                <a:t> </a:t>
+              </a:r>
+              <a:r>
+                <a:rPr kumimoji="1" lang="en-US" altLang="ja-JP" sz="2000" dirty="0" smtClean="0">
+                  <a:latin typeface="Meiryo" charset="-128"/>
+                  <a:ea typeface="Meiryo" charset="-128"/>
+                  <a:cs typeface="Meiryo" charset="-128"/>
+                </a:rPr>
+                <a:t>+ </a:t>
+              </a:r>
+              <a:r>
+                <a:rPr kumimoji="1" lang="en-US" altLang="ja-JP" sz="2000" dirty="0" smtClean="0">
+                  <a:latin typeface="Meiryo" charset="-128"/>
+                  <a:ea typeface="Meiryo" charset="-128"/>
+                  <a:cs typeface="Meiryo" charset="-128"/>
+                </a:rPr>
+                <a:t>104</a:t>
+              </a:r>
+              <a:r>
+                <a:rPr kumimoji="1" lang="en-US" altLang="ja-JP" sz="2000" dirty="0" smtClean="0">
+                  <a:latin typeface="Meiryo" charset="-128"/>
+                  <a:ea typeface="Meiryo" charset="-128"/>
+                  <a:cs typeface="Meiryo" charset="-128"/>
+                </a:rPr>
+                <a:t> </a:t>
+              </a:r>
+              <a:r>
+                <a:rPr kumimoji="1" lang="en-US" altLang="ja-JP" sz="2000" dirty="0" smtClean="0">
+                  <a:latin typeface="Meiryo" charset="-128"/>
+                  <a:ea typeface="Meiryo" charset="-128"/>
+                  <a:cs typeface="Meiryo" charset="-128"/>
+                </a:rPr>
+                <a:t>+ </a:t>
+              </a:r>
+              <a:r>
+                <a:rPr kumimoji="1" lang="en-US" altLang="ja-JP" sz="2000" dirty="0" smtClean="0">
+                  <a:latin typeface="Meiryo" charset="-128"/>
+                  <a:ea typeface="Meiryo" charset="-128"/>
+                  <a:cs typeface="Meiryo" charset="-128"/>
+                </a:rPr>
+                <a:t>97 </a:t>
+              </a:r>
+              <a:r>
+                <a:rPr kumimoji="1" lang="en-US" altLang="ja-JP" sz="2000" dirty="0" smtClean="0">
+                  <a:latin typeface="Meiryo" charset="-128"/>
+                  <a:ea typeface="Meiryo" charset="-128"/>
+                  <a:cs typeface="Meiryo" charset="-128"/>
+                </a:rPr>
+                <a:t>+ </a:t>
               </a:r>
               <a:r>
                 <a:rPr kumimoji="1" lang="mr-IN" altLang="ja-JP" sz="2000" dirty="0" smtClean="0">
@@ -19715,7 +19630,39 @@
                   <a:ea typeface="Meiryo" charset="-128"/>
                   <a:cs typeface="Meiryo" charset="-128"/>
                 </a:rPr>
-                <a:t> + 223 = 12985</a:t>
+                <a:t> + </a:t>
+              </a:r>
+              <a:r>
+                <a:rPr kumimoji="1" lang="en-US" altLang="ja-JP" sz="2000" dirty="0" smtClean="0">
+                  <a:latin typeface="Meiryo" charset="-128"/>
+                  <a:ea typeface="Meiryo" charset="-128"/>
+                  <a:cs typeface="Meiryo" charset="-128"/>
+                </a:rPr>
+                <a:t>46</a:t>
+              </a:r>
+              <a:r>
+                <a:rPr kumimoji="1" lang="en-US" altLang="ja-JP" sz="2000" dirty="0" smtClean="0">
+                  <a:latin typeface="Meiryo" charset="-128"/>
+                  <a:ea typeface="Meiryo" charset="-128"/>
+                  <a:cs typeface="Meiryo" charset="-128"/>
+                </a:rPr>
+                <a:t> </a:t>
+              </a:r>
+              <a:r>
+                <a:rPr kumimoji="1" lang="en-US" altLang="ja-JP" sz="2000" dirty="0" smtClean="0">
+                  <a:latin typeface="Meiryo" charset="-128"/>
+                  <a:ea typeface="Meiryo" charset="-128"/>
+                  <a:cs typeface="Meiryo" charset="-128"/>
+                </a:rPr>
+                <a:t>= </a:t>
+              </a:r>
+              <a:r>
+                <a:rPr kumimoji="1" lang="en-US" altLang="ja-JP" sz="2000" dirty="0" smtClean="0">
+                  <a:latin typeface="Meiryo" charset="-128"/>
+                  <a:ea typeface="Meiryo" charset="-128"/>
+                  <a:cs typeface="Meiryo" charset="-128"/>
+                </a:rPr>
+                <a:t>1780</a:t>
               </a:r>
               <a:endParaRPr kumimoji="1" lang="ja-JP" altLang="en-US" sz="2000" dirty="0">
                 <a:latin typeface="Meiryo" charset="-128"/>
@@ -19734,7 +19681,7 @@
           <p:spPr>
             <a:xfrm>
               <a:off x="4053525" y="3156722"/>
-              <a:ext cx="3038011" cy="400110"/>
+              <a:ext cx="2879314" cy="400110"/>
             </a:xfrm>
             <a:prstGeom prst="rect">
               <a:avLst/>
@@ -19752,7 +19699,7 @@
                   <a:ea typeface="Meiryo" charset="-128"/>
                   <a:cs typeface="Meiryo" charset="-128"/>
                 </a:rPr>
-                <a:t>12985 mod 256 = </a:t>
+                <a:t>1780 </a:t>
               </a:r>
               <a:r>
                 <a:rPr kumimoji="1" lang="en-US" altLang="ja-JP" sz="2000" dirty="0" smtClean="0">
@@ -19760,7 +19707,15 @@
                   <a:ea typeface="Meiryo" charset="-128"/>
                   <a:cs typeface="Meiryo" charset="-128"/>
                 </a:rPr>
-                <a:t>185</a:t>
+                <a:t>mod 256 = </a:t>
+              </a:r>
+              <a:r>
+                <a:rPr kumimoji="1" lang="en-US" altLang="ja-JP" sz="2000" dirty="0" smtClean="0">
+                  <a:latin typeface="Meiryo" charset="-128"/>
+                  <a:ea typeface="Meiryo" charset="-128"/>
+                  <a:cs typeface="Meiryo" charset="-128"/>
+                </a:rPr>
+                <a:t>244</a:t>
               </a:r>
               <a:endParaRPr kumimoji="1" lang="ja-JP" altLang="en-US" sz="2000" dirty="0">
                 <a:latin typeface="Meiryo" charset="-128"/>
@@ -21613,6 +21568,100 @@
           </p:txBody>
         </p:sp>
       </p:grpSp>
+      <p:grpSp>
+        <p:nvGrpSpPr>
+          <p:cNvPr id="61" name="図形グループ 60"/>
+          <p:cNvGrpSpPr/>
+          <p:nvPr/>
+        </p:nvGrpSpPr>
+        <p:grpSpPr>
+          <a:xfrm>
+            <a:off x="7126419" y="2871243"/>
+            <a:ext cx="1795039" cy="689813"/>
+            <a:chOff x="7426427" y="4190678"/>
+            <a:chExt cx="1795039" cy="500292"/>
+          </a:xfrm>
+        </p:grpSpPr>
+        <p:sp>
+          <p:nvSpPr>
+            <p:cNvPr id="62" name="円形吹き出し 61"/>
+            <p:cNvSpPr/>
+            <p:nvPr/>
+          </p:nvSpPr>
+          <p:spPr>
+            <a:xfrm>
+              <a:off x="7426427" y="4190678"/>
+              <a:ext cx="1795039" cy="488125"/>
+            </a:xfrm>
+            <a:prstGeom prst="wedgeEllipseCallout">
+              <a:avLst>
+                <a:gd name="adj1" fmla="val -60005"/>
+                <a:gd name="adj2" fmla="val 291"/>
+              </a:avLst>
+            </a:prstGeom>
+          </p:spPr>
+          <p:style>
+            <a:lnRef idx="2">
+              <a:schemeClr val="accent6"/>
+            </a:lnRef>
+            <a:fillRef idx="1">
+              <a:schemeClr val="lt1"/>
+            </a:fillRef>
+            <a:effectRef idx="0">
+              <a:schemeClr val="accent6"/>
+            </a:effectRef>
+            <a:fontRef idx="minor">
+              <a:schemeClr val="dk1"/>
+            </a:fontRef>
+          </p:style>
+          <p:txBody>
+            <a:bodyPr rtlCol="0" anchor="ctr"/>
+            <a:lstStyle/>
+            <a:p>
+              <a:pPr algn="ctr"/>
+              <a:endParaRPr kumimoji="1" lang="ja-JP" altLang="en-US"/>
+            </a:p>
+          </p:txBody>
+        </p:sp>
+        <p:sp>
+          <p:nvSpPr>
+            <p:cNvPr id="63" name="テキスト ボックス 62"/>
+            <p:cNvSpPr txBox="1"/>
+            <p:nvPr/>
+          </p:nvSpPr>
+          <p:spPr>
+            <a:xfrm>
+              <a:off x="7455184" y="4290860"/>
+              <a:ext cx="1713931" cy="400110"/>
+            </a:xfrm>
+            <a:prstGeom prst="rect">
+              <a:avLst/>
+            </a:prstGeom>
+            <a:noFill/>
+          </p:spPr>
+          <p:txBody>
+            <a:bodyPr wrap="none" rtlCol="0">
+              <a:spAutoFit/>
+            </a:bodyPr>
+            <a:lstStyle/>
+            <a:p>
+              <a:r>
+                <a:rPr kumimoji="1" lang="ja-JP" altLang="en-US" sz="2000" dirty="0" smtClean="0">
+                  <a:latin typeface="Meiryo" charset="-128"/>
+                  <a:ea typeface="Meiryo" charset="-128"/>
+                  <a:cs typeface="Meiryo" charset="-128"/>
+                </a:rPr>
+                <a:t>チェックサム</a:t>
+              </a:r>
+              <a:endParaRPr kumimoji="1" lang="ja-JP" altLang="en-US" sz="2000" dirty="0">
+                <a:latin typeface="Meiryo" charset="-128"/>
+                <a:ea typeface="Meiryo" charset="-128"/>
+                <a:cs typeface="Meiryo" charset="-128"/>
+              </a:endParaRPr>
+            </a:p>
+          </p:txBody>
+        </p:sp>
+      </p:grpSp>
     </p:spTree>
     <p:extLst>
       <p:ext uri="{BB962C8B-B14F-4D97-AF65-F5344CB8AC3E}">
@@ -23281,7 +23330,7 @@
         </p:blipFill>
         <p:spPr>
           <a:xfrm>
-            <a:off x="4886937" y="1572524"/>
+            <a:off x="4919295" y="1548481"/>
             <a:ext cx="4405636" cy="1395291"/>
           </a:xfrm>
           <a:prstGeom prst="rect">
@@ -24854,8 +24903,8 @@
         </p:nvSpPr>
         <p:spPr>
           <a:xfrm>
-            <a:off x="2129758" y="6188374"/>
-            <a:ext cx="3938899" cy="400110"/>
+            <a:off x="1646537" y="6224309"/>
+            <a:ext cx="4958409" cy="400110"/>
           </a:xfrm>
           <a:prstGeom prst="rect">
             <a:avLst/>
@@ -24869,12 +24918,28 @@
           <a:lstStyle/>
           <a:p>
             <a:r>
+              <a:rPr kumimoji="1" lang="en-US" altLang="ja-JP" sz="2000" b="1" dirty="0" smtClean="0">
+                <a:latin typeface="Meiryo" charset="-128"/>
+                <a:ea typeface="Meiryo" charset="-128"/>
+                <a:cs typeface="Meiryo" charset="-128"/>
+              </a:rPr>
+              <a:t>&lt;</a:t>
+            </a:r>
+            <a:r>
               <a:rPr kumimoji="1" lang="en-US" altLang="ja-JP" sz="2000" b="1" smtClean="0">
                 <a:latin typeface="Meiryo" charset="-128"/>
                 <a:ea typeface="Meiryo" charset="-128"/>
                 <a:cs typeface="Meiryo" charset="-128"/>
               </a:rPr>
-              <a:t>&lt;0,1,0,1,1,0,0,0,1,1,1,0,1&gt;</a:t>
+              <a:t>0, 1, 0, 1, 1, 0, 0, 0, 1, 1, 1, 0, 1</a:t>
+            </a:r>
+            <a:r>
+              <a:rPr kumimoji="1" lang="en-US" altLang="ja-JP" sz="2000" b="1" dirty="0" smtClean="0">
+                <a:latin typeface="Meiryo" charset="-128"/>
+                <a:ea typeface="Meiryo" charset="-128"/>
+                <a:cs typeface="Meiryo" charset="-128"/>
+              </a:rPr>
+              <a:t>&gt;</a:t>
             </a:r>
             <a:endParaRPr kumimoji="1" lang="ja-JP" altLang="en-US" sz="2000" b="1" dirty="0">
               <a:latin typeface="Meiryo" charset="-128"/>
@@ -24905,52 +24970,14 @@
         </p:blipFill>
         <p:spPr>
           <a:xfrm>
-            <a:off x="971599" y="1077309"/>
-            <a:ext cx="2619481" cy="547651"/>
+            <a:off x="4125742" y="1057293"/>
+            <a:ext cx="3470594" cy="547651"/>
           </a:xfrm>
           <a:prstGeom prst="rect">
             <a:avLst/>
           </a:prstGeom>
         </p:spPr>
       </p:pic>
-      <p:sp>
-        <p:nvSpPr>
-          <p:cNvPr id="2" name="テキスト ボックス 1"/>
-          <p:cNvSpPr txBox="1"/>
-          <p:nvPr/>
-        </p:nvSpPr>
-        <p:spPr>
-          <a:xfrm>
-            <a:off x="1277698" y="1262884"/>
-            <a:ext cx="2124108" cy="400110"/>
-          </a:xfrm>
-          <a:prstGeom prst="rect">
-            <a:avLst/>
-          </a:prstGeom>
-          <a:noFill/>
-        </p:spPr>
-        <p:txBody>
-          <a:bodyPr wrap="none" rtlCol="0">
-            <a:spAutoFit/>
-          </a:bodyPr>
-          <a:lstStyle/>
-          <a:p>
-            <a:r>
-              <a:rPr kumimoji="1" lang="en-US" altLang="ja-JP" sz="2000" b="1" smtClean="0">
-                <a:latin typeface="Meiryo" charset="-128"/>
-                <a:ea typeface="Meiryo" charset="-128"/>
-                <a:cs typeface="Meiryo" charset="-128"/>
-              </a:rPr>
-              <a:t>&lt;Thank, you&gt;</a:t>
-            </a:r>
-            <a:endParaRPr kumimoji="1" lang="ja-JP" altLang="en-US" sz="2000" b="1" dirty="0">
-              <a:latin typeface="Meiryo" charset="-128"/>
-              <a:ea typeface="Meiryo" charset="-128"/>
-              <a:cs typeface="Meiryo" charset="-128"/>
-            </a:endParaRPr>
-          </a:p>
-        </p:txBody>
-      </p:sp>
       <p:sp>
         <p:nvSpPr>
           <p:cNvPr id="4" name="円形吹き出し 3"/>
@@ -25047,16 +25074,45 @@
           </a:p>
         </p:txBody>
       </p:sp>
-      <p:sp>
-        <p:nvSpPr>
-          <p:cNvPr id="12" name="テキスト ボックス 11"/>
+      <p:pic>
+        <p:nvPicPr>
+          <p:cNvPr id="15" name="図 14"/>
+          <p:cNvPicPr>
+            <a:picLocks noChangeAspect="1"/>
+          </p:cNvPicPr>
+          <p:nvPr/>
+        </p:nvPicPr>
+        <p:blipFill rotWithShape="1">
+          <a:blip r:embed="rId4">
+            <a:extLst>
+              <a:ext uri="{28A0092B-C50C-407E-A947-70E740481C1C}">
+                <a14:useLocalDpi xmlns:a14="http://schemas.microsoft.com/office/drawing/2010/main" val="0"/>
+              </a:ext>
+            </a:extLst>
+          </a:blip>
+          <a:srcRect l="66605" t="34528" r="10040" b="44067"/>
+          <a:stretch/>
+        </p:blipFill>
+        <p:spPr>
+          <a:xfrm>
+            <a:off x="840566" y="1079887"/>
+            <a:ext cx="3470594" cy="547651"/>
+          </a:xfrm>
+          <a:prstGeom prst="rect">
+            <a:avLst/>
+          </a:prstGeom>
+        </p:spPr>
+      </p:pic>
+      <p:sp>
+        <p:nvSpPr>
+          <p:cNvPr id="2" name="テキスト ボックス 1"/>
           <p:cNvSpPr txBox="1"/>
           <p:nvPr/>
         </p:nvSpPr>
         <p:spPr>
           <a:xfrm>
-            <a:off x="3900275" y="1262884"/>
-            <a:ext cx="397866" cy="400110"/>
+            <a:off x="1336512" y="1262546"/>
+            <a:ext cx="2124108" cy="400110"/>
           </a:xfrm>
           <a:prstGeom prst="rect">
             <a:avLst/>
@@ -25075,7 +25131,7 @@
                 <a:ea typeface="Meiryo" charset="-128"/>
                 <a:cs typeface="Meiryo" charset="-128"/>
               </a:rPr>
-              <a:t>&lt;</a:t>
+              <a:t>&lt;Thank, you&gt;</a:t>
             </a:r>
             <a:endParaRPr kumimoji="1" lang="ja-JP" altLang="en-US" sz="2000" b="1" dirty="0">
               <a:latin typeface="Meiryo" charset="-128"/>
@@ -25087,14 +25143,14 @@
       </p:sp>
       <p:sp>
         <p:nvSpPr>
-          <p:cNvPr id="13" name="テキスト ボックス 12"/>
+          <p:cNvPr id="16" name="テキスト ボックス 15"/>
           <p:cNvSpPr txBox="1"/>
           <p:nvPr/>
         </p:nvSpPr>
         <p:spPr>
-          <a:xfrm rot="10800000">
-            <a:off x="7206268" y="1239952"/>
-            <a:ext cx="397866" cy="400110"/>
+          <a:xfrm>
+            <a:off x="3528487" y="1222393"/>
+            <a:ext cx="4958409" cy="400110"/>
           </a:xfrm>
           <a:prstGeom prst="rect">
             <a:avLst/>
@@ -25115,7 +25171,216 @@
               </a:rPr>
               <a:t>&lt;</a:t>
             </a:r>
+            <a:r>
+              <a:rPr kumimoji="1" lang="en-US" altLang="ja-JP" sz="2000" b="1" smtClean="0">
+                <a:latin typeface="Meiryo" charset="-128"/>
+                <a:ea typeface="Meiryo" charset="-128"/>
+                <a:cs typeface="Meiryo" charset="-128"/>
+              </a:rPr>
+              <a:t>0, 1, 0, 1, 1, 0, 0, 0, 1, 1, 1, 0, 1</a:t>
+            </a:r>
+            <a:r>
+              <a:rPr kumimoji="1" lang="en-US" altLang="ja-JP" sz="2000" b="1" dirty="0" smtClean="0">
+                <a:latin typeface="Meiryo" charset="-128"/>
+                <a:ea typeface="Meiryo" charset="-128"/>
+                <a:cs typeface="Meiryo" charset="-128"/>
+              </a:rPr>
+              <a:t>&gt;</a:t>
+            </a:r>
             <a:endParaRPr kumimoji="1" lang="ja-JP" altLang="en-US" sz="2000" b="1" dirty="0">
+              <a:latin typeface="Meiryo" charset="-128"/>
+              <a:ea typeface="Meiryo" charset="-128"/>
+              <a:cs typeface="Meiryo" charset="-128"/>
+            </a:endParaRPr>
+          </a:p>
+        </p:txBody>
+      </p:sp>
+      <p:sp>
+        <p:nvSpPr>
+          <p:cNvPr id="17" name="下矢印 16"/>
+          <p:cNvSpPr/>
+          <p:nvPr/>
+        </p:nvSpPr>
+        <p:spPr>
+          <a:xfrm rot="10800000">
+            <a:off x="7160147" y="1594348"/>
+            <a:ext cx="504056" cy="2936490"/>
+          </a:xfrm>
+          <a:prstGeom prst="downArrow">
+            <a:avLst/>
+          </a:prstGeom>
+          <a:solidFill>
+            <a:srgbClr val="92D050"/>
+          </a:solidFill>
+        </p:spPr>
+        <p:style>
+          <a:lnRef idx="2">
+            <a:schemeClr val="accent1">
+              <a:shade val="50000"/>
+            </a:schemeClr>
+          </a:lnRef>
+          <a:fillRef idx="1">
+            <a:schemeClr val="accent1"/>
+          </a:fillRef>
+          <a:effectRef idx="0">
+            <a:schemeClr val="accent1"/>
+          </a:effectRef>
+          <a:fontRef idx="minor">
+            <a:schemeClr val="lt1"/>
+          </a:fontRef>
+        </p:style>
+        <p:txBody>
+          <a:bodyPr rtlCol="0" anchor="ctr"/>
+          <a:lstStyle/>
+          <a:p>
+            <a:pPr algn="ctr"/>
+            <a:endParaRPr kumimoji="1" lang="ja-JP" altLang="en-US"/>
+          </a:p>
+        </p:txBody>
+      </p:sp>
+      <p:sp>
+        <p:nvSpPr>
+          <p:cNvPr id="18" name="下矢印 17"/>
+          <p:cNvSpPr/>
+          <p:nvPr/>
+        </p:nvSpPr>
+        <p:spPr>
+          <a:xfrm rot="3242556">
+            <a:off x="6093068" y="3884288"/>
+            <a:ext cx="504056" cy="2725923"/>
+          </a:xfrm>
+          <a:prstGeom prst="downArrow">
+            <a:avLst/>
+          </a:prstGeom>
+          <a:solidFill>
+            <a:srgbClr val="92D050"/>
+          </a:solidFill>
+        </p:spPr>
+        <p:style>
+          <a:lnRef idx="2">
+            <a:schemeClr val="accent1">
+              <a:shade val="50000"/>
+            </a:schemeClr>
+          </a:lnRef>
+          <a:fillRef idx="1">
+            <a:schemeClr val="accent1"/>
+          </a:fillRef>
+          <a:effectRef idx="0">
+            <a:schemeClr val="accent1"/>
+          </a:effectRef>
+          <a:fontRef idx="minor">
+            <a:schemeClr val="lt1"/>
+          </a:fontRef>
+        </p:style>
+        <p:txBody>
+          <a:bodyPr rtlCol="0" anchor="ctr"/>
+          <a:lstStyle/>
+          <a:p>
+            <a:pPr algn="ctr"/>
+            <a:endParaRPr kumimoji="1" lang="ja-JP" altLang="en-US"/>
+          </a:p>
+        </p:txBody>
+      </p:sp>
+      <p:sp>
+        <p:nvSpPr>
+          <p:cNvPr id="19" name="テキスト ボックス 18"/>
+          <p:cNvSpPr txBox="1"/>
+          <p:nvPr/>
+        </p:nvSpPr>
+        <p:spPr>
+          <a:xfrm>
+            <a:off x="7294822" y="4308343"/>
+            <a:ext cx="229506" cy="245427"/>
+          </a:xfrm>
+          <a:prstGeom prst="rect">
+            <a:avLst/>
+          </a:prstGeom>
+          <a:solidFill>
+            <a:srgbClr val="92D050"/>
+          </a:solidFill>
+        </p:spPr>
+        <p:txBody>
+          <a:bodyPr wrap="square" rtlCol="0">
+            <a:spAutoFit/>
+          </a:bodyPr>
+          <a:lstStyle/>
+          <a:p>
+            <a:endParaRPr kumimoji="1" lang="ja-JP" altLang="en-US"/>
+          </a:p>
+        </p:txBody>
+      </p:sp>
+      <p:sp>
+        <p:nvSpPr>
+          <p:cNvPr id="20" name="円形吹き出し 19"/>
+          <p:cNvSpPr/>
+          <p:nvPr/>
+        </p:nvSpPr>
+        <p:spPr>
+          <a:xfrm>
+            <a:off x="7234225" y="5184381"/>
+            <a:ext cx="903369" cy="622747"/>
+          </a:xfrm>
+          <a:prstGeom prst="wedgeEllipseCallout">
+            <a:avLst>
+              <a:gd name="adj1" fmla="val -62503"/>
+              <a:gd name="adj2" fmla="val -65248"/>
+            </a:avLst>
+          </a:prstGeom>
+        </p:spPr>
+        <p:style>
+          <a:lnRef idx="2">
+            <a:schemeClr val="accent6"/>
+          </a:lnRef>
+          <a:fillRef idx="1">
+            <a:schemeClr val="lt1"/>
+          </a:fillRef>
+          <a:effectRef idx="0">
+            <a:schemeClr val="accent6"/>
+          </a:effectRef>
+          <a:fontRef idx="minor">
+            <a:schemeClr val="dk1"/>
+          </a:fontRef>
+        </p:style>
+        <p:txBody>
+          <a:bodyPr rtlCol="0" anchor="ctr"/>
+          <a:lstStyle/>
+          <a:p>
+            <a:pPr algn="ctr"/>
+            <a:endParaRPr kumimoji="1" lang="ja-JP" altLang="en-US"/>
+          </a:p>
+        </p:txBody>
+      </p:sp>
+      <p:sp>
+        <p:nvSpPr>
+          <p:cNvPr id="21" name="テキスト ボックス 20"/>
+          <p:cNvSpPr txBox="1"/>
+          <p:nvPr/>
+        </p:nvSpPr>
+        <p:spPr>
+          <a:xfrm>
+            <a:off x="7294822" y="5269989"/>
+            <a:ext cx="800219" cy="461665"/>
+          </a:xfrm>
+          <a:prstGeom prst="rect">
+            <a:avLst/>
+          </a:prstGeom>
+          <a:noFill/>
+        </p:spPr>
+        <p:txBody>
+          <a:bodyPr wrap="none" rtlCol="0">
+            <a:spAutoFit/>
+          </a:bodyPr>
+          <a:lstStyle/>
+          <a:p>
+            <a:r>
+              <a:rPr kumimoji="1" lang="ja-JP" altLang="en-US" sz="2400" b="1" dirty="0" smtClean="0">
+                <a:latin typeface="Meiryo" charset="-128"/>
+                <a:ea typeface="Meiryo" charset="-128"/>
+                <a:cs typeface="Meiryo" charset="-128"/>
+              </a:rPr>
+              <a:t>比較</a:t>
+            </a:r>
+            <a:endParaRPr kumimoji="1" lang="ja-JP" altLang="en-US" sz="2400" b="1" dirty="0">
               <a:latin typeface="Meiryo" charset="-128"/>
               <a:ea typeface="Meiryo" charset="-128"/>
               <a:cs typeface="Meiryo" charset="-128"/>
@@ -27082,6 +27347,64 @@
           </a:graphicData>
         </a:graphic>
       </p:graphicFrame>
+      <p:sp>
+        <p:nvSpPr>
+          <p:cNvPr id="16" name="テキスト ボックス 15"/>
+          <p:cNvSpPr txBox="1"/>
+          <p:nvPr/>
+        </p:nvSpPr>
+        <p:spPr>
+          <a:xfrm>
+            <a:off x="1043608" y="6193678"/>
+            <a:ext cx="6140014" cy="369332"/>
+          </a:xfrm>
+          <a:prstGeom prst="rect">
+            <a:avLst/>
+          </a:prstGeom>
+          <a:noFill/>
+        </p:spPr>
+        <p:txBody>
+          <a:bodyPr wrap="none" rtlCol="0">
+            <a:spAutoFit/>
+          </a:bodyPr>
+          <a:lstStyle/>
+          <a:p>
+            <a:r>
+              <a:rPr kumimoji="1" lang="en-US" altLang="ja-JP" smtClean="0"/>
+              <a:t>OS </a:t>
+            </a:r>
+            <a:r>
+              <a:rPr kumimoji="1" lang="en-US" altLang="ja-JP" dirty="0" smtClean="0"/>
+              <a:t>: Ubuntu18.04</a:t>
+            </a:r>
+            <a:r>
+              <a:rPr kumimoji="1" lang="en-US" altLang="ja-JP" smtClean="0"/>
+              <a:t>, </a:t>
+            </a:r>
+            <a:r>
+              <a:rPr kumimoji="1" lang="en-US" altLang="ja-JP"/>
+              <a:t>GPU: GeForce </a:t>
+            </a:r>
+            <a:r>
+              <a:rPr kumimoji="1" lang="en-US" altLang="ja-JP"/>
+              <a:t>GTX2080Ti</a:t>
+            </a:r>
+            <a:r>
+              <a:rPr kumimoji="1" lang="en-US" altLang="ja-JP" smtClean="0"/>
+              <a:t>, </a:t>
+            </a:r>
+            <a:r>
+              <a:rPr kumimoji="1" lang="ja-JP" altLang="en-US" dirty="0" smtClean="0"/>
+              <a:t>メモリ：</a:t>
+            </a:r>
+            <a:r>
+              <a:rPr kumimoji="1" lang="en-US" altLang="ja-JP" dirty="0" smtClean="0"/>
+              <a:t>32GB</a:t>
+            </a:r>
+            <a:endParaRPr kumimoji="1" lang="ja-JP" altLang="en-US" dirty="0"/>
+          </a:p>
+        </p:txBody>
+      </p:sp>
     </p:spTree>
     <p:extLst>
       <p:ext uri="{BB962C8B-B14F-4D97-AF65-F5344CB8AC3E}">
